--- a/Lyme Disease Powerpoint.pptx
+++ b/Lyme Disease Powerpoint.pptx
@@ -11,12 +11,12 @@
     <p:sldId id="335" r:id="rId5"/>
     <p:sldId id="351" r:id="rId6"/>
     <p:sldId id="343" r:id="rId7"/>
-    <p:sldId id="346" r:id="rId8"/>
-    <p:sldId id="347" r:id="rId9"/>
-    <p:sldId id="321" r:id="rId10"/>
+    <p:sldId id="354" r:id="rId8"/>
+    <p:sldId id="321" r:id="rId9"/>
+    <p:sldId id="347" r:id="rId10"/>
     <p:sldId id="344" r:id="rId11"/>
-    <p:sldId id="342" r:id="rId12"/>
-    <p:sldId id="354" r:id="rId13"/>
+    <p:sldId id="356" r:id="rId12"/>
+    <p:sldId id="342" r:id="rId13"/>
     <p:sldId id="352" r:id="rId14"/>
     <p:sldId id="355" r:id="rId15"/>
     <p:sldId id="353" r:id="rId16"/>
@@ -138,972 +138,6 @@
 </p:presentation>
 </file>
 
-<file path=ppt/charts/chart1.xml><?xml version="1.0" encoding="utf-8"?>
-<c:chartSpace xmlns:c="http://schemas.openxmlformats.org/drawingml/2006/chart" xmlns:a="http://schemas.openxmlformats.org/drawingml/2006/main" xmlns:r="http://schemas.openxmlformats.org/officeDocument/2006/relationships" xmlns:c16r2="http://schemas.microsoft.com/office/drawing/2015/06/chart">
-  <c:date1904 val="0"/>
-  <c:lang val="en-US"/>
-  <c:roundedCorners val="0"/>
-  <mc:AlternateContent xmlns:mc="http://schemas.openxmlformats.org/markup-compatibility/2006">
-    <mc:Choice xmlns:c14="http://schemas.microsoft.com/office/drawing/2007/8/2/chart" Requires="c14">
-      <c14:style val="102"/>
-    </mc:Choice>
-    <mc:Fallback>
-      <c:style val="2"/>
-    </mc:Fallback>
-  </mc:AlternateContent>
-  <c:chart>
-    <c:autoTitleDeleted val="1"/>
-    <c:plotArea>
-      <c:layout/>
-      <c:barChart>
-        <c:barDir val="bar"/>
-        <c:grouping val="clustered"/>
-        <c:varyColors val="0"/>
-        <c:ser>
-          <c:idx val="0"/>
-          <c:order val="0"/>
-          <c:tx>
-            <c:strRef>
-              <c:f>Sheet1!$B$1</c:f>
-              <c:strCache>
-                <c:ptCount val="1"/>
-                <c:pt idx="0">
-                  <c:v>Series 1</c:v>
-                </c:pt>
-              </c:strCache>
-            </c:strRef>
-          </c:tx>
-          <c:spPr>
-            <a:solidFill>
-              <a:schemeClr val="tx1"/>
-            </a:solidFill>
-            <a:ln>
-              <a:noFill/>
-            </a:ln>
-            <a:effectLst/>
-          </c:spPr>
-          <c:invertIfNegative val="0"/>
-          <c:cat>
-            <c:strRef>
-              <c:f>Sheet1!$A$2:$A$5</c:f>
-              <c:strCache>
-                <c:ptCount val="4"/>
-                <c:pt idx="0">
-                  <c:v>Category 1</c:v>
-                </c:pt>
-                <c:pt idx="1">
-                  <c:v>Category 2</c:v>
-                </c:pt>
-                <c:pt idx="2">
-                  <c:v>Category 3</c:v>
-                </c:pt>
-                <c:pt idx="3">
-                  <c:v>Category 4</c:v>
-                </c:pt>
-              </c:strCache>
-            </c:strRef>
-          </c:cat>
-          <c:val>
-            <c:numRef>
-              <c:f>Sheet1!$B$2:$B$5</c:f>
-              <c:numCache>
-                <c:formatCode>General</c:formatCode>
-                <c:ptCount val="4"/>
-                <c:pt idx="0">
-                  <c:v>4.3</c:v>
-                </c:pt>
-                <c:pt idx="1">
-                  <c:v>2.5</c:v>
-                </c:pt>
-                <c:pt idx="2">
-                  <c:v>3.5</c:v>
-                </c:pt>
-                <c:pt idx="3">
-                  <c:v>4.5</c:v>
-                </c:pt>
-              </c:numCache>
-            </c:numRef>
-          </c:val>
-          <c:extLst>
-            <c:ext xmlns:c16="http://schemas.microsoft.com/office/drawing/2014/chart" uri="{C3380CC4-5D6E-409C-BE32-E72D297353CC}">
-              <c16:uniqueId val="{00000000-4A7E-B941-A719-F5D0ABC442CE}"/>
-            </c:ext>
-          </c:extLst>
-        </c:ser>
-        <c:ser>
-          <c:idx val="1"/>
-          <c:order val="1"/>
-          <c:tx>
-            <c:strRef>
-              <c:f>Sheet1!$C$1</c:f>
-              <c:strCache>
-                <c:ptCount val="1"/>
-                <c:pt idx="0">
-                  <c:v>Series 2</c:v>
-                </c:pt>
-              </c:strCache>
-            </c:strRef>
-          </c:tx>
-          <c:spPr>
-            <a:solidFill>
-              <a:schemeClr val="accent3"/>
-            </a:solidFill>
-            <a:ln>
-              <a:noFill/>
-            </a:ln>
-            <a:effectLst/>
-          </c:spPr>
-          <c:invertIfNegative val="0"/>
-          <c:cat>
-            <c:strRef>
-              <c:f>Sheet1!$A$2:$A$5</c:f>
-              <c:strCache>
-                <c:ptCount val="4"/>
-                <c:pt idx="0">
-                  <c:v>Category 1</c:v>
-                </c:pt>
-                <c:pt idx="1">
-                  <c:v>Category 2</c:v>
-                </c:pt>
-                <c:pt idx="2">
-                  <c:v>Category 3</c:v>
-                </c:pt>
-                <c:pt idx="3">
-                  <c:v>Category 4</c:v>
-                </c:pt>
-              </c:strCache>
-            </c:strRef>
-          </c:cat>
-          <c:val>
-            <c:numRef>
-              <c:f>Sheet1!$C$2:$C$5</c:f>
-              <c:numCache>
-                <c:formatCode>General</c:formatCode>
-                <c:ptCount val="4"/>
-                <c:pt idx="0">
-                  <c:v>2.4</c:v>
-                </c:pt>
-                <c:pt idx="1">
-                  <c:v>4.4000000000000004</c:v>
-                </c:pt>
-                <c:pt idx="2">
-                  <c:v>1.8</c:v>
-                </c:pt>
-                <c:pt idx="3">
-                  <c:v>2.8</c:v>
-                </c:pt>
-              </c:numCache>
-            </c:numRef>
-          </c:val>
-          <c:extLst>
-            <c:ext xmlns:c16="http://schemas.microsoft.com/office/drawing/2014/chart" uri="{C3380CC4-5D6E-409C-BE32-E72D297353CC}">
-              <c16:uniqueId val="{00000001-4A7E-B941-A719-F5D0ABC442CE}"/>
-            </c:ext>
-          </c:extLst>
-        </c:ser>
-        <c:ser>
-          <c:idx val="2"/>
-          <c:order val="2"/>
-          <c:tx>
-            <c:strRef>
-              <c:f>Sheet1!$D$1</c:f>
-              <c:strCache>
-                <c:ptCount val="1"/>
-                <c:pt idx="0">
-                  <c:v>Series 3</c:v>
-                </c:pt>
-              </c:strCache>
-            </c:strRef>
-          </c:tx>
-          <c:spPr>
-            <a:solidFill>
-              <a:schemeClr val="bg1"/>
-            </a:solidFill>
-            <a:ln>
-              <a:noFill/>
-            </a:ln>
-            <a:effectLst/>
-          </c:spPr>
-          <c:invertIfNegative val="0"/>
-          <c:cat>
-            <c:strRef>
-              <c:f>Sheet1!$A$2:$A$5</c:f>
-              <c:strCache>
-                <c:ptCount val="4"/>
-                <c:pt idx="0">
-                  <c:v>Category 1</c:v>
-                </c:pt>
-                <c:pt idx="1">
-                  <c:v>Category 2</c:v>
-                </c:pt>
-                <c:pt idx="2">
-                  <c:v>Category 3</c:v>
-                </c:pt>
-                <c:pt idx="3">
-                  <c:v>Category 4</c:v>
-                </c:pt>
-              </c:strCache>
-            </c:strRef>
-          </c:cat>
-          <c:val>
-            <c:numRef>
-              <c:f>Sheet1!$D$2:$D$5</c:f>
-              <c:numCache>
-                <c:formatCode>General</c:formatCode>
-                <c:ptCount val="4"/>
-                <c:pt idx="0">
-                  <c:v>2</c:v>
-                </c:pt>
-                <c:pt idx="1">
-                  <c:v>2</c:v>
-                </c:pt>
-                <c:pt idx="2">
-                  <c:v>3</c:v>
-                </c:pt>
-                <c:pt idx="3">
-                  <c:v>5</c:v>
-                </c:pt>
-              </c:numCache>
-            </c:numRef>
-          </c:val>
-          <c:extLst>
-            <c:ext xmlns:c16="http://schemas.microsoft.com/office/drawing/2014/chart" uri="{C3380CC4-5D6E-409C-BE32-E72D297353CC}">
-              <c16:uniqueId val="{00000002-4A7E-B941-A719-F5D0ABC442CE}"/>
-            </c:ext>
-          </c:extLst>
-        </c:ser>
-        <c:dLbls>
-          <c:showLegendKey val="0"/>
-          <c:showVal val="0"/>
-          <c:showCatName val="0"/>
-          <c:showSerName val="0"/>
-          <c:showPercent val="0"/>
-          <c:showBubbleSize val="0"/>
-        </c:dLbls>
-        <c:gapWidth val="182"/>
-        <c:axId val="997161791"/>
-        <c:axId val="996303759"/>
-      </c:barChart>
-      <c:catAx>
-        <c:axId val="997161791"/>
-        <c:scaling>
-          <c:orientation val="minMax"/>
-        </c:scaling>
-        <c:delete val="0"/>
-        <c:axPos val="l"/>
-        <c:numFmt formatCode="General" sourceLinked="1"/>
-        <c:majorTickMark val="none"/>
-        <c:minorTickMark val="none"/>
-        <c:tickLblPos val="nextTo"/>
-        <c:spPr>
-          <a:noFill/>
-          <a:ln w="9525" cap="flat" cmpd="sng" algn="ctr">
-            <a:solidFill>
-              <a:schemeClr val="tx1">
-                <a:lumMod val="15000"/>
-                <a:lumOff val="85000"/>
-              </a:schemeClr>
-            </a:solidFill>
-            <a:round/>
-          </a:ln>
-          <a:effectLst/>
-        </c:spPr>
-        <c:txPr>
-          <a:bodyPr rot="-60000000" spcFirstLastPara="1" vertOverflow="ellipsis" vert="horz" wrap="square" anchor="ctr" anchorCtr="1"/>
-          <a:lstStyle/>
-          <a:p>
-            <a:pPr>
-              <a:defRPr sz="1400" b="1" i="0" u="none" strike="noStrike" kern="1200" baseline="0">
-                <a:solidFill>
-                  <a:schemeClr val="bg1"/>
-                </a:solidFill>
-                <a:latin typeface="+mn-lt"/>
-                <a:ea typeface="+mn-ea"/>
-                <a:cs typeface="+mn-cs"/>
-              </a:defRPr>
-            </a:pPr>
-            <a:endParaRPr lang="en-US"/>
-          </a:p>
-        </c:txPr>
-        <c:crossAx val="996303759"/>
-        <c:crosses val="autoZero"/>
-        <c:auto val="1"/>
-        <c:lblAlgn val="ctr"/>
-        <c:lblOffset val="100"/>
-        <c:noMultiLvlLbl val="0"/>
-      </c:catAx>
-      <c:valAx>
-        <c:axId val="996303759"/>
-        <c:scaling>
-          <c:orientation val="minMax"/>
-        </c:scaling>
-        <c:delete val="0"/>
-        <c:axPos val="b"/>
-        <c:majorGridlines>
-          <c:spPr>
-            <a:ln w="9525" cap="flat" cmpd="sng" algn="ctr">
-              <a:solidFill>
-                <a:schemeClr val="tx1">
-                  <a:lumMod val="15000"/>
-                  <a:lumOff val="85000"/>
-                </a:schemeClr>
-              </a:solidFill>
-              <a:round/>
-            </a:ln>
-            <a:effectLst/>
-          </c:spPr>
-        </c:majorGridlines>
-        <c:numFmt formatCode="General" sourceLinked="1"/>
-        <c:majorTickMark val="none"/>
-        <c:minorTickMark val="none"/>
-        <c:tickLblPos val="nextTo"/>
-        <c:spPr>
-          <a:noFill/>
-          <a:ln>
-            <a:noFill/>
-          </a:ln>
-          <a:effectLst/>
-        </c:spPr>
-        <c:txPr>
-          <a:bodyPr rot="-60000000" spcFirstLastPara="1" vertOverflow="ellipsis" vert="horz" wrap="square" anchor="ctr" anchorCtr="1"/>
-          <a:lstStyle/>
-          <a:p>
-            <a:pPr>
-              <a:defRPr sz="1400" b="0" i="0" u="none" strike="noStrike" kern="1200" baseline="0">
-                <a:solidFill>
-                  <a:schemeClr val="bg1"/>
-                </a:solidFill>
-                <a:latin typeface="+mn-lt"/>
-                <a:ea typeface="+mn-ea"/>
-                <a:cs typeface="+mn-cs"/>
-              </a:defRPr>
-            </a:pPr>
-            <a:endParaRPr lang="en-US"/>
-          </a:p>
-        </c:txPr>
-        <c:crossAx val="997161791"/>
-        <c:crosses val="autoZero"/>
-        <c:crossBetween val="between"/>
-      </c:valAx>
-      <c:spPr>
-        <a:noFill/>
-        <a:ln>
-          <a:noFill/>
-        </a:ln>
-        <a:effectLst/>
-      </c:spPr>
-    </c:plotArea>
-    <c:legend>
-      <c:legendPos val="b"/>
-      <c:overlay val="0"/>
-      <c:spPr>
-        <a:noFill/>
-        <a:ln>
-          <a:noFill/>
-        </a:ln>
-        <a:effectLst/>
-      </c:spPr>
-      <c:txPr>
-        <a:bodyPr rot="0" spcFirstLastPara="1" vertOverflow="ellipsis" vert="horz" wrap="square" anchor="ctr" anchorCtr="1"/>
-        <a:lstStyle/>
-        <a:p>
-          <a:pPr>
-            <a:defRPr sz="1197" b="0" i="0" u="none" strike="noStrike" kern="1200" baseline="0">
-              <a:solidFill>
-                <a:schemeClr val="bg1"/>
-              </a:solidFill>
-              <a:latin typeface="+mn-lt"/>
-              <a:ea typeface="+mn-ea"/>
-              <a:cs typeface="+mn-cs"/>
-            </a:defRPr>
-          </a:pPr>
-          <a:endParaRPr lang="en-US"/>
-        </a:p>
-      </c:txPr>
-    </c:legend>
-    <c:plotVisOnly val="1"/>
-    <c:dispBlanksAs val="gap"/>
-    <c:showDLblsOverMax val="0"/>
-    <c:extLst>
-      <c:ext xmlns:c16r3="http://schemas.microsoft.com/office/drawing/2017/03/chart" uri="{56B9EC1D-385E-4148-901F-78D8002777C0}">
-        <c16r3:dataDisplayOptions16>
-          <c16r3:dispNaAsBlank val="1"/>
-        </c16r3:dataDisplayOptions16>
-      </c:ext>
-    </c:extLst>
-  </c:chart>
-  <c:spPr>
-    <a:noFill/>
-    <a:ln>
-      <a:noFill/>
-    </a:ln>
-    <a:effectLst/>
-  </c:spPr>
-  <c:txPr>
-    <a:bodyPr/>
-    <a:lstStyle/>
-    <a:p>
-      <a:pPr>
-        <a:defRPr>
-          <a:solidFill>
-            <a:schemeClr val="bg1"/>
-          </a:solidFill>
-        </a:defRPr>
-      </a:pPr>
-      <a:endParaRPr lang="en-US"/>
-    </a:p>
-  </c:txPr>
-  <c:externalData r:id="rId3">
-    <c:autoUpdate val="0"/>
-  </c:externalData>
-</c:chartSpace>
-</file>
-
-<file path=ppt/charts/colors1.xml><?xml version="1.0" encoding="utf-8"?>
-<cs:colorStyle xmlns:cs="http://schemas.microsoft.com/office/drawing/2012/chartStyle" xmlns:a="http://schemas.openxmlformats.org/drawingml/2006/main" meth="cycle" id="10">
-  <a:schemeClr val="accent1"/>
-  <a:schemeClr val="accent2"/>
-  <a:schemeClr val="accent3"/>
-  <a:schemeClr val="accent4"/>
-  <a:schemeClr val="accent5"/>
-  <a:schemeClr val="accent6"/>
-  <cs:variation/>
-  <cs:variation>
-    <a:lumMod val="60000"/>
-  </cs:variation>
-  <cs:variation>
-    <a:lumMod val="80000"/>
-    <a:lumOff val="20000"/>
-  </cs:variation>
-  <cs:variation>
-    <a:lumMod val="80000"/>
-  </cs:variation>
-  <cs:variation>
-    <a:lumMod val="60000"/>
-    <a:lumOff val="40000"/>
-  </cs:variation>
-  <cs:variation>
-    <a:lumMod val="50000"/>
-  </cs:variation>
-  <cs:variation>
-    <a:lumMod val="70000"/>
-    <a:lumOff val="30000"/>
-  </cs:variation>
-  <cs:variation>
-    <a:lumMod val="70000"/>
-  </cs:variation>
-  <cs:variation>
-    <a:lumMod val="50000"/>
-    <a:lumOff val="50000"/>
-  </cs:variation>
-</cs:colorStyle>
-</file>
-
-<file path=ppt/charts/style1.xml><?xml version="1.0" encoding="utf-8"?>
-<cs:chartStyle xmlns:cs="http://schemas.microsoft.com/office/drawing/2012/chartStyle" xmlns:a="http://schemas.openxmlformats.org/drawingml/2006/main" id="216">
-  <cs:axisTitle>
-    <cs:lnRef idx="0"/>
-    <cs:fillRef idx="0"/>
-    <cs:effectRef idx="0"/>
-    <cs:fontRef idx="minor">
-      <a:schemeClr val="tx1">
-        <a:lumMod val="65000"/>
-        <a:lumOff val="35000"/>
-      </a:schemeClr>
-    </cs:fontRef>
-    <cs:defRPr sz="1330" kern="1200"/>
-  </cs:axisTitle>
-  <cs:categoryAxis>
-    <cs:lnRef idx="0"/>
-    <cs:fillRef idx="0"/>
-    <cs:effectRef idx="0"/>
-    <cs:fontRef idx="minor">
-      <a:schemeClr val="tx1">
-        <a:lumMod val="65000"/>
-        <a:lumOff val="35000"/>
-      </a:schemeClr>
-    </cs:fontRef>
-    <cs:spPr>
-      <a:ln w="9525" cap="flat" cmpd="sng" algn="ctr">
-        <a:solidFill>
-          <a:schemeClr val="tx1">
-            <a:lumMod val="15000"/>
-            <a:lumOff val="85000"/>
-          </a:schemeClr>
-        </a:solidFill>
-        <a:round/>
-      </a:ln>
-    </cs:spPr>
-    <cs:defRPr sz="1197" kern="1200"/>
-  </cs:categoryAxis>
-  <cs:chartArea mods="allowNoFillOverride allowNoLineOverride">
-    <cs:lnRef idx="0"/>
-    <cs:fillRef idx="0"/>
-    <cs:effectRef idx="0"/>
-    <cs:fontRef idx="minor">
-      <a:schemeClr val="tx1"/>
-    </cs:fontRef>
-    <cs:spPr>
-      <a:solidFill>
-        <a:schemeClr val="bg1"/>
-      </a:solidFill>
-      <a:ln w="9525" cap="flat" cmpd="sng" algn="ctr">
-        <a:solidFill>
-          <a:schemeClr val="tx1">
-            <a:lumMod val="15000"/>
-            <a:lumOff val="85000"/>
-          </a:schemeClr>
-        </a:solidFill>
-        <a:round/>
-      </a:ln>
-    </cs:spPr>
-    <cs:defRPr sz="1330" kern="1200"/>
-  </cs:chartArea>
-  <cs:dataLabel>
-    <cs:lnRef idx="0"/>
-    <cs:fillRef idx="0"/>
-    <cs:effectRef idx="0"/>
-    <cs:fontRef idx="minor">
-      <a:schemeClr val="tx1">
-        <a:lumMod val="75000"/>
-        <a:lumOff val="25000"/>
-      </a:schemeClr>
-    </cs:fontRef>
-    <cs:defRPr sz="1197" kern="1200"/>
-  </cs:dataLabel>
-  <cs:dataLabelCallout>
-    <cs:lnRef idx="0"/>
-    <cs:fillRef idx="0"/>
-    <cs:effectRef idx="0"/>
-    <cs:fontRef idx="minor">
-      <a:schemeClr val="dk1">
-        <a:lumMod val="65000"/>
-        <a:lumOff val="35000"/>
-      </a:schemeClr>
-    </cs:fontRef>
-    <cs:spPr>
-      <a:solidFill>
-        <a:schemeClr val="lt1"/>
-      </a:solidFill>
-      <a:ln>
-        <a:solidFill>
-          <a:schemeClr val="dk1">
-            <a:lumMod val="25000"/>
-            <a:lumOff val="75000"/>
-          </a:schemeClr>
-        </a:solidFill>
-      </a:ln>
-    </cs:spPr>
-    <cs:defRPr sz="1197" kern="1200"/>
-    <cs:bodyPr rot="0" spcFirstLastPara="1" vertOverflow="clip" horzOverflow="clip" vert="horz" wrap="square" lIns="36576" tIns="18288" rIns="36576" bIns="18288" anchor="ctr" anchorCtr="1">
-      <a:spAutoFit/>
-    </cs:bodyPr>
-  </cs:dataLabelCallout>
-  <cs:dataPoint>
-    <cs:lnRef idx="0"/>
-    <cs:fillRef idx="1">
-      <cs:styleClr val="auto"/>
-    </cs:fillRef>
-    <cs:effectRef idx="0"/>
-    <cs:fontRef idx="minor">
-      <a:schemeClr val="tx1"/>
-    </cs:fontRef>
-  </cs:dataPoint>
-  <cs:dataPoint3D>
-    <cs:lnRef idx="0"/>
-    <cs:fillRef idx="1">
-      <cs:styleClr val="auto"/>
-    </cs:fillRef>
-    <cs:effectRef idx="0"/>
-    <cs:fontRef idx="minor">
-      <a:schemeClr val="tx1"/>
-    </cs:fontRef>
-  </cs:dataPoint3D>
-  <cs:dataPointLine>
-    <cs:lnRef idx="0">
-      <cs:styleClr val="auto"/>
-    </cs:lnRef>
-    <cs:fillRef idx="1"/>
-    <cs:effectRef idx="0"/>
-    <cs:fontRef idx="minor">
-      <a:schemeClr val="tx1"/>
-    </cs:fontRef>
-    <cs:spPr>
-      <a:ln w="28575" cap="rnd">
-        <a:solidFill>
-          <a:schemeClr val="phClr"/>
-        </a:solidFill>
-        <a:round/>
-      </a:ln>
-    </cs:spPr>
-  </cs:dataPointLine>
-  <cs:dataPointMarker>
-    <cs:lnRef idx="0">
-      <cs:styleClr val="auto"/>
-    </cs:lnRef>
-    <cs:fillRef idx="1">
-      <cs:styleClr val="auto"/>
-    </cs:fillRef>
-    <cs:effectRef idx="0"/>
-    <cs:fontRef idx="minor">
-      <a:schemeClr val="tx1"/>
-    </cs:fontRef>
-    <cs:spPr>
-      <a:ln w="9525">
-        <a:solidFill>
-          <a:schemeClr val="phClr"/>
-        </a:solidFill>
-      </a:ln>
-    </cs:spPr>
-  </cs:dataPointMarker>
-  <cs:dataPointMarkerLayout symbol="circle" size="5"/>
-  <cs:dataPointWireframe>
-    <cs:lnRef idx="0">
-      <cs:styleClr val="auto"/>
-    </cs:lnRef>
-    <cs:fillRef idx="1"/>
-    <cs:effectRef idx="0"/>
-    <cs:fontRef idx="minor">
-      <a:schemeClr val="tx1"/>
-    </cs:fontRef>
-    <cs:spPr>
-      <a:ln w="9525" cap="rnd">
-        <a:solidFill>
-          <a:schemeClr val="phClr"/>
-        </a:solidFill>
-        <a:round/>
-      </a:ln>
-    </cs:spPr>
-  </cs:dataPointWireframe>
-  <cs:dataTable>
-    <cs:lnRef idx="0"/>
-    <cs:fillRef idx="0"/>
-    <cs:effectRef idx="0"/>
-    <cs:fontRef idx="minor">
-      <a:schemeClr val="tx1">
-        <a:lumMod val="65000"/>
-        <a:lumOff val="35000"/>
-      </a:schemeClr>
-    </cs:fontRef>
-    <cs:spPr>
-      <a:noFill/>
-      <a:ln w="9525" cap="flat" cmpd="sng" algn="ctr">
-        <a:solidFill>
-          <a:schemeClr val="tx1">
-            <a:lumMod val="15000"/>
-            <a:lumOff val="85000"/>
-          </a:schemeClr>
-        </a:solidFill>
-        <a:round/>
-      </a:ln>
-    </cs:spPr>
-    <cs:defRPr sz="1197" kern="1200"/>
-  </cs:dataTable>
-  <cs:downBar>
-    <cs:lnRef idx="0"/>
-    <cs:fillRef idx="0"/>
-    <cs:effectRef idx="0"/>
-    <cs:fontRef idx="minor">
-      <a:schemeClr val="tx1"/>
-    </cs:fontRef>
-    <cs:spPr>
-      <a:solidFill>
-        <a:schemeClr val="dk1">
-          <a:lumMod val="75000"/>
-          <a:lumOff val="25000"/>
-        </a:schemeClr>
-      </a:solidFill>
-      <a:ln w="9525" cap="flat" cmpd="sng" algn="ctr">
-        <a:solidFill>
-          <a:schemeClr val="tx1">
-            <a:lumMod val="65000"/>
-            <a:lumOff val="35000"/>
-          </a:schemeClr>
-        </a:solidFill>
-        <a:round/>
-      </a:ln>
-    </cs:spPr>
-  </cs:downBar>
-  <cs:dropLine>
-    <cs:lnRef idx="0"/>
-    <cs:fillRef idx="0"/>
-    <cs:effectRef idx="0"/>
-    <cs:fontRef idx="minor">
-      <a:schemeClr val="tx1"/>
-    </cs:fontRef>
-    <cs:spPr>
-      <a:ln w="9525" cap="flat" cmpd="sng" algn="ctr">
-        <a:solidFill>
-          <a:schemeClr val="tx1">
-            <a:lumMod val="35000"/>
-            <a:lumOff val="65000"/>
-          </a:schemeClr>
-        </a:solidFill>
-        <a:round/>
-      </a:ln>
-    </cs:spPr>
-  </cs:dropLine>
-  <cs:errorBar>
-    <cs:lnRef idx="0"/>
-    <cs:fillRef idx="0"/>
-    <cs:effectRef idx="0"/>
-    <cs:fontRef idx="minor">
-      <a:schemeClr val="tx1"/>
-    </cs:fontRef>
-    <cs:spPr>
-      <a:ln w="9525" cap="flat" cmpd="sng" algn="ctr">
-        <a:solidFill>
-          <a:schemeClr val="tx1">
-            <a:lumMod val="65000"/>
-            <a:lumOff val="35000"/>
-          </a:schemeClr>
-        </a:solidFill>
-        <a:round/>
-      </a:ln>
-    </cs:spPr>
-  </cs:errorBar>
-  <cs:floor>
-    <cs:lnRef idx="0"/>
-    <cs:fillRef idx="0"/>
-    <cs:effectRef idx="0"/>
-    <cs:fontRef idx="minor">
-      <a:schemeClr val="tx1"/>
-    </cs:fontRef>
-    <cs:spPr>
-      <a:noFill/>
-      <a:ln>
-        <a:noFill/>
-      </a:ln>
-    </cs:spPr>
-  </cs:floor>
-  <cs:gridlineMajor>
-    <cs:lnRef idx="0"/>
-    <cs:fillRef idx="0"/>
-    <cs:effectRef idx="0"/>
-    <cs:fontRef idx="minor">
-      <a:schemeClr val="tx1"/>
-    </cs:fontRef>
-    <cs:spPr>
-      <a:ln w="9525" cap="flat" cmpd="sng" algn="ctr">
-        <a:solidFill>
-          <a:schemeClr val="tx1">
-            <a:lumMod val="15000"/>
-            <a:lumOff val="85000"/>
-          </a:schemeClr>
-        </a:solidFill>
-        <a:round/>
-      </a:ln>
-    </cs:spPr>
-  </cs:gridlineMajor>
-  <cs:gridlineMinor>
-    <cs:lnRef idx="0"/>
-    <cs:fillRef idx="0"/>
-    <cs:effectRef idx="0"/>
-    <cs:fontRef idx="minor">
-      <a:schemeClr val="tx1"/>
-    </cs:fontRef>
-    <cs:spPr>
-      <a:ln w="9525" cap="flat" cmpd="sng" algn="ctr">
-        <a:solidFill>
-          <a:schemeClr val="tx1">
-            <a:lumMod val="5000"/>
-            <a:lumOff val="95000"/>
-          </a:schemeClr>
-        </a:solidFill>
-        <a:round/>
-      </a:ln>
-    </cs:spPr>
-  </cs:gridlineMinor>
-  <cs:hiLoLine>
-    <cs:lnRef idx="0"/>
-    <cs:fillRef idx="0"/>
-    <cs:effectRef idx="0"/>
-    <cs:fontRef idx="minor">
-      <a:schemeClr val="tx1"/>
-    </cs:fontRef>
-    <cs:spPr>
-      <a:ln w="9525" cap="flat" cmpd="sng" algn="ctr">
-        <a:solidFill>
-          <a:schemeClr val="tx1">
-            <a:lumMod val="50000"/>
-            <a:lumOff val="50000"/>
-          </a:schemeClr>
-        </a:solidFill>
-        <a:round/>
-      </a:ln>
-    </cs:spPr>
-  </cs:hiLoLine>
-  <cs:leaderLine>
-    <cs:lnRef idx="0"/>
-    <cs:fillRef idx="0"/>
-    <cs:effectRef idx="0"/>
-    <cs:fontRef idx="minor">
-      <a:schemeClr val="tx1"/>
-    </cs:fontRef>
-    <cs:spPr>
-      <a:ln w="9525" cap="flat" cmpd="sng" algn="ctr">
-        <a:solidFill>
-          <a:schemeClr val="tx1">
-            <a:lumMod val="35000"/>
-            <a:lumOff val="65000"/>
-          </a:schemeClr>
-        </a:solidFill>
-        <a:round/>
-      </a:ln>
-    </cs:spPr>
-  </cs:leaderLine>
-  <cs:legend>
-    <cs:lnRef idx="0"/>
-    <cs:fillRef idx="0"/>
-    <cs:effectRef idx="0"/>
-    <cs:fontRef idx="minor">
-      <a:schemeClr val="tx1">
-        <a:lumMod val="65000"/>
-        <a:lumOff val="35000"/>
-      </a:schemeClr>
-    </cs:fontRef>
-    <cs:defRPr sz="1197" kern="1200"/>
-  </cs:legend>
-  <cs:plotArea mods="allowNoFillOverride allowNoLineOverride">
-    <cs:lnRef idx="0"/>
-    <cs:fillRef idx="0"/>
-    <cs:effectRef idx="0"/>
-    <cs:fontRef idx="minor">
-      <a:schemeClr val="tx1"/>
-    </cs:fontRef>
-  </cs:plotArea>
-  <cs:plotArea3D mods="allowNoFillOverride allowNoLineOverride">
-    <cs:lnRef idx="0"/>
-    <cs:fillRef idx="0"/>
-    <cs:effectRef idx="0"/>
-    <cs:fontRef idx="minor">
-      <a:schemeClr val="tx1"/>
-    </cs:fontRef>
-  </cs:plotArea3D>
-  <cs:seriesAxis>
-    <cs:lnRef idx="0"/>
-    <cs:fillRef idx="0"/>
-    <cs:effectRef idx="0"/>
-    <cs:fontRef idx="minor">
-      <a:schemeClr val="tx1">
-        <a:lumMod val="65000"/>
-        <a:lumOff val="35000"/>
-      </a:schemeClr>
-    </cs:fontRef>
-    <cs:defRPr sz="1197" kern="1200"/>
-  </cs:seriesAxis>
-  <cs:seriesLine>
-    <cs:lnRef idx="0"/>
-    <cs:fillRef idx="0"/>
-    <cs:effectRef idx="0"/>
-    <cs:fontRef idx="minor">
-      <a:schemeClr val="tx1"/>
-    </cs:fontRef>
-    <cs:spPr>
-      <a:ln w="9525" cap="flat" cmpd="sng" algn="ctr">
-        <a:solidFill>
-          <a:schemeClr val="tx1">
-            <a:lumMod val="35000"/>
-            <a:lumOff val="65000"/>
-          </a:schemeClr>
-        </a:solidFill>
-        <a:round/>
-      </a:ln>
-    </cs:spPr>
-  </cs:seriesLine>
-  <cs:title>
-    <cs:lnRef idx="0"/>
-    <cs:fillRef idx="0"/>
-    <cs:effectRef idx="0"/>
-    <cs:fontRef idx="minor">
-      <a:schemeClr val="tx1">
-        <a:lumMod val="65000"/>
-        <a:lumOff val="35000"/>
-      </a:schemeClr>
-    </cs:fontRef>
-    <cs:defRPr sz="1862" b="0" kern="1200" spc="0" baseline="0"/>
-  </cs:title>
-  <cs:trendline>
-    <cs:lnRef idx="0">
-      <cs:styleClr val="auto"/>
-    </cs:lnRef>
-    <cs:fillRef idx="0"/>
-    <cs:effectRef idx="0"/>
-    <cs:fontRef idx="minor">
-      <a:schemeClr val="tx1"/>
-    </cs:fontRef>
-    <cs:spPr>
-      <a:ln w="19050" cap="rnd">
-        <a:solidFill>
-          <a:schemeClr val="phClr"/>
-        </a:solidFill>
-        <a:prstDash val="sysDot"/>
-      </a:ln>
-    </cs:spPr>
-  </cs:trendline>
-  <cs:trendlineLabel>
-    <cs:lnRef idx="0"/>
-    <cs:fillRef idx="0"/>
-    <cs:effectRef idx="0"/>
-    <cs:fontRef idx="minor">
-      <a:schemeClr val="tx1">
-        <a:lumMod val="65000"/>
-        <a:lumOff val="35000"/>
-      </a:schemeClr>
-    </cs:fontRef>
-    <cs:defRPr sz="1197" kern="1200"/>
-  </cs:trendlineLabel>
-  <cs:upBar>
-    <cs:lnRef idx="0"/>
-    <cs:fillRef idx="0"/>
-    <cs:effectRef idx="0"/>
-    <cs:fontRef idx="minor">
-      <a:schemeClr val="tx1"/>
-    </cs:fontRef>
-    <cs:spPr>
-      <a:solidFill>
-        <a:schemeClr val="lt1"/>
-      </a:solidFill>
-      <a:ln w="9525" cap="flat" cmpd="sng" algn="ctr">
-        <a:solidFill>
-          <a:schemeClr val="tx1">
-            <a:lumMod val="65000"/>
-            <a:lumOff val="35000"/>
-          </a:schemeClr>
-        </a:solidFill>
-        <a:round/>
-      </a:ln>
-    </cs:spPr>
-  </cs:upBar>
-  <cs:valueAxis>
-    <cs:lnRef idx="0"/>
-    <cs:fillRef idx="0"/>
-    <cs:effectRef idx="0"/>
-    <cs:fontRef idx="minor">
-      <a:schemeClr val="tx1">
-        <a:lumMod val="65000"/>
-        <a:lumOff val="35000"/>
-      </a:schemeClr>
-    </cs:fontRef>
-    <cs:defRPr sz="1197" kern="1200"/>
-  </cs:valueAxis>
-  <cs:wall>
-    <cs:lnRef idx="0"/>
-    <cs:fillRef idx="0"/>
-    <cs:effectRef idx="0"/>
-    <cs:fontRef idx="minor">
-      <a:schemeClr val="tx1"/>
-    </cs:fontRef>
-    <cs:spPr>
-      <a:noFill/>
-      <a:ln>
-        <a:noFill/>
-      </a:ln>
-    </cs:spPr>
-  </cs:wall>
-</cs:chartStyle>
-</file>
-
 <file path=ppt/notesMasters/notesMaster1.xml><?xml version="1.0" encoding="utf-8"?>
 <p:notesMaster xmlns:a="http://schemas.openxmlformats.org/drawingml/2006/main" xmlns:r="http://schemas.openxmlformats.org/officeDocument/2006/relationships" xmlns:p="http://schemas.openxmlformats.org/presentationml/2006/main">
   <p:cSld>
@@ -1518,7 +552,7 @@
           <a:p>
             <a:fld id="{A89C7E07-3C67-C64C-8DA0-0404F6303970}" type="slidenum">
               <a:rPr lang="en-US" smtClean="0"/>
-              <a:t>6</a:t>
+              <a:t>5</a:t>
             </a:fld>
             <a:endParaRPr lang="en-US" dirty="0"/>
           </a:p>
@@ -5818,165 +4852,6 @@
 
 <file path=ppt/slideLayouts/slideLayout21.xml><?xml version="1.0" encoding="utf-8"?>
 <p:sldLayout xmlns:a="http://schemas.openxmlformats.org/drawingml/2006/main" xmlns:r="http://schemas.openxmlformats.org/officeDocument/2006/relationships" xmlns:p="http://schemas.openxmlformats.org/presentationml/2006/main" userDrawn="1">
-  <p:cSld name="Section Break">
-    <p:spTree>
-      <p:nvGrpSpPr>
-        <p:cNvPr id="1" name=""/>
-        <p:cNvGrpSpPr/>
-        <p:nvPr/>
-      </p:nvGrpSpPr>
-      <p:grpSpPr>
-        <a:xfrm>
-          <a:off x="0" y="0"/>
-          <a:ext cx="0" cy="0"/>
-          <a:chOff x="0" y="0"/>
-          <a:chExt cx="0" cy="0"/>
-        </a:xfrm>
-      </p:grpSpPr>
-      <p:sp>
-        <p:nvSpPr>
-          <p:cNvPr id="3" name="Picture Placeholder 2">
-            <a:extLst>
-              <a:ext uri="{FF2B5EF4-FFF2-40B4-BE49-F238E27FC236}">
-                <a16:creationId xmlns:a16="http://schemas.microsoft.com/office/drawing/2014/main" id="{6FD808B2-C5CA-FE45-B556-461D856BF7A0}"/>
-              </a:ext>
-            </a:extLst>
-          </p:cNvPr>
-          <p:cNvSpPr>
-            <a:spLocks noGrp="1"/>
-          </p:cNvSpPr>
-          <p:nvPr>
-            <p:ph type="pic" sz="quarter" idx="10"/>
-          </p:nvPr>
-        </p:nvSpPr>
-        <p:spPr>
-          <a:xfrm>
-            <a:off x="0" y="0"/>
-            <a:ext cx="12192000" cy="6858000"/>
-          </a:xfrm>
-          <a:prstGeom prst="rect">
-            <a:avLst/>
-          </a:prstGeom>
-        </p:spPr>
-        <p:txBody>
-          <a:bodyPr/>
-          <a:lstStyle/>
-          <a:p>
-            <a:r>
-              <a:rPr lang="en-US"/>
-              <a:t>Click icon to add picture</a:t>
-            </a:r>
-            <a:endParaRPr lang="en-US" dirty="0"/>
-          </a:p>
-        </p:txBody>
-      </p:sp>
-      <p:cxnSp>
-        <p:nvCxnSpPr>
-          <p:cNvPr id="11" name="Straight Connector 10">
-            <a:extLst>
-              <a:ext uri="{FF2B5EF4-FFF2-40B4-BE49-F238E27FC236}">
-                <a16:creationId xmlns:a16="http://schemas.microsoft.com/office/drawing/2014/main" id="{4425CA9F-967F-1545-8E32-09F4DB0F04F6}"/>
-              </a:ext>
-            </a:extLst>
-          </p:cNvPr>
-          <p:cNvCxnSpPr>
-            <a:cxnSpLocks/>
-          </p:cNvCxnSpPr>
-          <p:nvPr userDrawn="1"/>
-        </p:nvCxnSpPr>
-        <p:spPr>
-          <a:xfrm flipV="1">
-            <a:off x="1044475" y="1862667"/>
-            <a:ext cx="10103049" cy="8670"/>
-          </a:xfrm>
-          <a:prstGeom prst="line">
-            <a:avLst/>
-          </a:prstGeom>
-          <a:ln w="76200"/>
-        </p:spPr>
-        <p:style>
-          <a:lnRef idx="1">
-            <a:schemeClr val="dk1"/>
-          </a:lnRef>
-          <a:fillRef idx="0">
-            <a:schemeClr val="dk1"/>
-          </a:fillRef>
-          <a:effectRef idx="0">
-            <a:schemeClr val="dk1"/>
-          </a:effectRef>
-          <a:fontRef idx="minor">
-            <a:schemeClr val="tx1"/>
-          </a:fontRef>
-        </p:style>
-      </p:cxnSp>
-      <p:sp>
-        <p:nvSpPr>
-          <p:cNvPr id="15" name="Title 1">
-            <a:extLst>
-              <a:ext uri="{FF2B5EF4-FFF2-40B4-BE49-F238E27FC236}">
-                <a16:creationId xmlns:a16="http://schemas.microsoft.com/office/drawing/2014/main" id="{69DD4EBD-237B-7245-A9C2-A37674E23EEF}"/>
-              </a:ext>
-            </a:extLst>
-          </p:cNvPr>
-          <p:cNvSpPr>
-            <a:spLocks noGrp="1"/>
-          </p:cNvSpPr>
-          <p:nvPr>
-            <p:ph type="title"/>
-          </p:nvPr>
-        </p:nvSpPr>
-        <p:spPr>
-          <a:xfrm>
-            <a:off x="1028700" y="999068"/>
-            <a:ext cx="7810500" cy="645284"/>
-          </a:xfrm>
-          <a:prstGeom prst="rect">
-            <a:avLst/>
-          </a:prstGeom>
-        </p:spPr>
-        <p:txBody>
-          <a:bodyPr lIns="0" tIns="0" rIns="0" bIns="0" anchor="b"/>
-          <a:lstStyle/>
-          <a:p>
-            <a:r>
-              <a:rPr lang="en-US"/>
-              <a:t>Click to edit Master title style</a:t>
-            </a:r>
-            <a:endParaRPr lang="en-US" dirty="0"/>
-          </a:p>
-        </p:txBody>
-      </p:sp>
-    </p:spTree>
-    <p:extLst>
-      <p:ext uri="{BB962C8B-B14F-4D97-AF65-F5344CB8AC3E}">
-        <p14:creationId xmlns:p14="http://schemas.microsoft.com/office/powerpoint/2010/main" val="314834874"/>
-      </p:ext>
-    </p:extLst>
-  </p:cSld>
-  <p:clrMapOvr>
-    <a:masterClrMapping/>
-  </p:clrMapOvr>
-  <p:extLst>
-    <p:ext uri="{DCECCB84-F9BA-43D5-87BE-67443E8EF086}">
-      <p15:sldGuideLst xmlns:p15="http://schemas.microsoft.com/office/powerpoint/2012/main">
-        <p15:guide id="2" pos="648">
-          <p15:clr>
-            <a:srgbClr val="FBAE40"/>
-          </p15:clr>
-        </p15:guide>
-        <p15:guide id="4" orient="horz" pos="1152">
-          <p15:clr>
-            <a:srgbClr val="FBAE40"/>
-          </p15:clr>
-        </p15:guide>
-      </p15:sldGuideLst>
-    </p:ext>
-  </p:extLst>
-</p:sldLayout>
-</file>
-
-<file path=ppt/slideLayouts/slideLayout22.xml><?xml version="1.0" encoding="utf-8"?>
-<p:sldLayout xmlns:a="http://schemas.openxmlformats.org/drawingml/2006/main" xmlns:r="http://schemas.openxmlformats.org/officeDocument/2006/relationships" xmlns:p="http://schemas.openxmlformats.org/presentationml/2006/main" userDrawn="1">
   <p:cSld name="Chart">
     <p:spTree>
       <p:nvGrpSpPr>
@@ -6282,7 +5157,7 @@
 </p:sldLayout>
 </file>
 
-<file path=ppt/slideLayouts/slideLayout23.xml><?xml version="1.0" encoding="utf-8"?>
+<file path=ppt/slideLayouts/slideLayout22.xml><?xml version="1.0" encoding="utf-8"?>
 <p:sldLayout xmlns:a="http://schemas.openxmlformats.org/drawingml/2006/main" xmlns:r="http://schemas.openxmlformats.org/officeDocument/2006/relationships" xmlns:p="http://schemas.openxmlformats.org/presentationml/2006/main" userDrawn="1">
   <p:cSld name="Table">
     <p:spTree>
@@ -6589,7 +5464,7 @@
 </p:sldLayout>
 </file>
 
-<file path=ppt/slideLayouts/slideLayout24.xml><?xml version="1.0" encoding="utf-8"?>
+<file path=ppt/slideLayouts/slideLayout23.xml><?xml version="1.0" encoding="utf-8"?>
 <p:sldLayout xmlns:a="http://schemas.openxmlformats.org/drawingml/2006/main" xmlns:r="http://schemas.openxmlformats.org/officeDocument/2006/relationships" xmlns:p="http://schemas.openxmlformats.org/presentationml/2006/main" userDrawn="1">
   <p:cSld name="Quote">
     <p:spTree>
@@ -6918,7 +5793,7 @@
 </p:sldLayout>
 </file>
 
-<file path=ppt/slideLayouts/slideLayout25.xml><?xml version="1.0" encoding="utf-8"?>
+<file path=ppt/slideLayouts/slideLayout24.xml><?xml version="1.0" encoding="utf-8"?>
 <p:sldLayout xmlns:a="http://schemas.openxmlformats.org/drawingml/2006/main" xmlns:r="http://schemas.openxmlformats.org/officeDocument/2006/relationships" xmlns:p="http://schemas.openxmlformats.org/presentationml/2006/main" userDrawn="1">
   <p:cSld name="Team">
     <p:spTree>
@@ -7784,7 +6659,7 @@
 </p:sldLayout>
 </file>
 
-<file path=ppt/slideLayouts/slideLayout26.xml><?xml version="1.0" encoding="utf-8"?>
+<file path=ppt/slideLayouts/slideLayout25.xml><?xml version="1.0" encoding="utf-8"?>
 <p:sldLayout xmlns:a="http://schemas.openxmlformats.org/drawingml/2006/main" xmlns:r="http://schemas.openxmlformats.org/officeDocument/2006/relationships" xmlns:p="http://schemas.openxmlformats.org/presentationml/2006/main" userDrawn="1">
   <p:cSld name="Content 2 Column">
     <p:spTree>
@@ -8201,7 +7076,7 @@
 </p:sldLayout>
 </file>
 
-<file path=ppt/slideLayouts/slideLayout27.xml><?xml version="1.0" encoding="utf-8"?>
+<file path=ppt/slideLayouts/slideLayout26.xml><?xml version="1.0" encoding="utf-8"?>
 <p:sldLayout xmlns:a="http://schemas.openxmlformats.org/drawingml/2006/main" xmlns:r="http://schemas.openxmlformats.org/officeDocument/2006/relationships" xmlns:p="http://schemas.openxmlformats.org/presentationml/2006/main" userDrawn="1">
   <p:cSld name="Content 3 Column">
     <p:spTree>
@@ -8721,7 +7596,7 @@
 </p:sldLayout>
 </file>
 
-<file path=ppt/slideLayouts/slideLayout28.xml><?xml version="1.0" encoding="utf-8"?>
+<file path=ppt/slideLayouts/slideLayout27.xml><?xml version="1.0" encoding="utf-8"?>
 <p:sldLayout xmlns:a="http://schemas.openxmlformats.org/drawingml/2006/main" xmlns:r="http://schemas.openxmlformats.org/officeDocument/2006/relationships" xmlns:p="http://schemas.openxmlformats.org/presentationml/2006/main" userDrawn="1">
   <p:cSld name="Summary">
     <p:bg>
@@ -9036,7 +7911,7 @@
 </p:sldLayout>
 </file>
 
-<file path=ppt/slideLayouts/slideLayout29.xml><?xml version="1.0" encoding="utf-8"?>
+<file path=ppt/slideLayouts/slideLayout28.xml><?xml version="1.0" encoding="utf-8"?>
 <p:sldLayout xmlns:a="http://schemas.openxmlformats.org/drawingml/2006/main" xmlns:r="http://schemas.openxmlformats.org/officeDocument/2006/relationships" xmlns:p="http://schemas.openxmlformats.org/presentationml/2006/main" userDrawn="1">
   <p:cSld name="Thank you ">
     <p:spTree>
@@ -11290,7 +10165,7 @@
           <p:nvPr/>
         </p:nvPicPr>
         <p:blipFill rotWithShape="1">
-          <a:blip r:embed="rId31">
+          <a:blip r:embed="rId30">
             <a:extLst>
               <a:ext uri="{28A0092B-C50C-407E-A947-70E740481C1C}">
                 <a14:useLocalDpi xmlns:a14="http://schemas.microsoft.com/office/drawing/2010/main" val="0"/>
@@ -11319,7 +10194,7 @@
           <p:nvPr/>
         </p:nvPicPr>
         <p:blipFill rotWithShape="1">
-          <a:blip r:embed="rId32">
+          <a:blip r:embed="rId31">
             <a:extLst>
               <a:ext uri="{28A0092B-C50C-407E-A947-70E740481C1C}">
                 <a14:useLocalDpi xmlns:a14="http://schemas.microsoft.com/office/drawing/2010/main" val="0"/>
@@ -11411,7 +10286,7 @@
           <p:nvPr/>
         </p:nvPicPr>
         <p:blipFill rotWithShape="1">
-          <a:blip r:embed="rId33">
+          <a:blip r:embed="rId32">
             <a:extLst>
               <a:ext uri="{28A0092B-C50C-407E-A947-70E740481C1C}">
                 <a14:useLocalDpi xmlns:a14="http://schemas.microsoft.com/office/drawing/2010/main" val="0"/>
@@ -11440,7 +10315,7 @@
           <p:nvPr/>
         </p:nvPicPr>
         <p:blipFill rotWithShape="1">
-          <a:blip r:embed="rId34">
+          <a:blip r:embed="rId33">
             <a:extLst>
               <a:ext uri="{28A0092B-C50C-407E-A947-70E740481C1C}">
                 <a14:useLocalDpi xmlns:a14="http://schemas.microsoft.com/office/drawing/2010/main" val="0"/>
@@ -11754,15 +10629,14 @@
     <p:sldLayoutId id="2147483827" r:id="rId18"/>
     <p:sldLayoutId id="2147483828" r:id="rId19"/>
     <p:sldLayoutId id="2147483829" r:id="rId20"/>
-    <p:sldLayoutId id="2147483830" r:id="rId21"/>
-    <p:sldLayoutId id="2147483831" r:id="rId22"/>
-    <p:sldLayoutId id="2147483832" r:id="rId23"/>
-    <p:sldLayoutId id="2147483833" r:id="rId24"/>
-    <p:sldLayoutId id="2147483834" r:id="rId25"/>
-    <p:sldLayoutId id="2147483836" r:id="rId26"/>
-    <p:sldLayoutId id="2147483837" r:id="rId27"/>
-    <p:sldLayoutId id="2147483838" r:id="rId28"/>
-    <p:sldLayoutId id="2147483839" r:id="rId29"/>
+    <p:sldLayoutId id="2147483831" r:id="rId21"/>
+    <p:sldLayoutId id="2147483832" r:id="rId22"/>
+    <p:sldLayoutId id="2147483833" r:id="rId23"/>
+    <p:sldLayoutId id="2147483834" r:id="rId24"/>
+    <p:sldLayoutId id="2147483836" r:id="rId25"/>
+    <p:sldLayoutId id="2147483837" r:id="rId26"/>
+    <p:sldLayoutId id="2147483838" r:id="rId27"/>
+    <p:sldLayoutId id="2147483839" r:id="rId28"/>
   </p:sldLayoutIdLst>
   <p:hf hdr="0"/>
   <p:txStyles>
@@ -12137,27 +11011,27 @@
   <p:extLst>
     <p:ext uri="{27BBF7A9-308A-43DC-89C8-2F10F3537804}">
       <p15:sldGuideLst xmlns:p15="http://schemas.microsoft.com/office/powerpoint/2012/main">
-        <p15:guide id="1" pos="7008" userDrawn="1">
+        <p15:guide id="1" pos="7008">
           <p15:clr>
             <a:srgbClr val="F26B43"/>
           </p15:clr>
         </p15:guide>
-        <p15:guide id="2" pos="1824" userDrawn="1">
+        <p15:guide id="2" pos="1824">
           <p15:clr>
             <a:srgbClr val="547EBF"/>
           </p15:clr>
         </p15:guide>
-        <p15:guide id="3" orient="horz" pos="624" userDrawn="1">
+        <p15:guide id="3" orient="horz" pos="624">
           <p15:clr>
             <a:srgbClr val="F26B43"/>
           </p15:clr>
         </p15:guide>
-        <p15:guide id="4" orient="horz" pos="3672" userDrawn="1">
+        <p15:guide id="4" orient="horz" pos="3672">
           <p15:clr>
             <a:srgbClr val="F26B43"/>
           </p15:clr>
         </p15:guide>
-        <p15:guide id="5" pos="3984" userDrawn="1">
+        <p15:guide id="5" pos="3984">
           <p15:clr>
             <a:srgbClr val="547EBF"/>
           </p15:clr>
@@ -12332,7 +11206,7 @@
           <a:lstStyle/>
           <a:p>
             <a:r>
-              <a:rPr lang="en-US"/>
+              <a:rPr lang="en-US" dirty="0"/>
               <a:t>Annual Review</a:t>
             </a:r>
           </a:p>
@@ -12729,149 +11603,6 @@
       </p:grpSpPr>
       <p:sp>
         <p:nvSpPr>
-          <p:cNvPr id="2" name="Content Placeholder 1">
-            <a:extLst>
-              <a:ext uri="{FF2B5EF4-FFF2-40B4-BE49-F238E27FC236}">
-                <a16:creationId xmlns:a16="http://schemas.microsoft.com/office/drawing/2014/main" id="{1C7722FC-4320-F0E0-1F67-52355613FB7F}"/>
-              </a:ext>
-            </a:extLst>
-          </p:cNvPr>
-          <p:cNvSpPr>
-            <a:spLocks noGrp="1"/>
-          </p:cNvSpPr>
-          <p:nvPr>
-            <p:ph sz="half" idx="2"/>
-          </p:nvPr>
-        </p:nvSpPr>
-        <p:spPr/>
-        <p:txBody>
-          <a:bodyPr/>
-          <a:lstStyle/>
-          <a:p>
-            <a:r>
-              <a:rPr lang="en-US" dirty="0"/>
-              <a:t>Increase customer satisfaction by 2%</a:t>
-            </a:r>
-          </a:p>
-          <a:p>
-            <a:r>
-              <a:rPr lang="en-US" dirty="0"/>
-              <a:t>Maintain growth</a:t>
-            </a:r>
-          </a:p>
-          <a:p>
-            <a:r>
-              <a:rPr lang="en-US" dirty="0"/>
-              <a:t>Diversify investment in sector 2</a:t>
-            </a:r>
-          </a:p>
-          <a:p>
-            <a:r>
-              <a:rPr lang="en-US" dirty="0"/>
-              <a:t>Initiative partnership with 3</a:t>
-            </a:r>
-            <a:r>
-              <a:rPr lang="en-US" baseline="30000" dirty="0"/>
-              <a:t>rd</a:t>
-            </a:r>
-            <a:r>
-              <a:rPr lang="en-US" dirty="0"/>
-              <a:t> party organizations</a:t>
-            </a:r>
-          </a:p>
-          <a:p>
-            <a:pPr marL="0" indent="0">
-              <a:buNone/>
-            </a:pPr>
-            <a:endParaRPr lang="en-US" dirty="0"/>
-          </a:p>
-          <a:p>
-            <a:endParaRPr lang="en-US" dirty="0"/>
-          </a:p>
-        </p:txBody>
-      </p:sp>
-      <p:sp>
-        <p:nvSpPr>
-          <p:cNvPr id="3" name="Content Placeholder 2">
-            <a:extLst>
-              <a:ext uri="{FF2B5EF4-FFF2-40B4-BE49-F238E27FC236}">
-                <a16:creationId xmlns:a16="http://schemas.microsoft.com/office/drawing/2014/main" id="{76C8F207-B4E3-DBF2-070C-54A66983F588}"/>
-              </a:ext>
-            </a:extLst>
-          </p:cNvPr>
-          <p:cNvSpPr>
-            <a:spLocks noGrp="1"/>
-          </p:cNvSpPr>
-          <p:nvPr>
-            <p:ph sz="half" idx="11"/>
-          </p:nvPr>
-        </p:nvSpPr>
-        <p:spPr/>
-        <p:txBody>
-          <a:bodyPr/>
-          <a:lstStyle/>
-          <a:p>
-            <a:r>
-              <a:rPr lang="en-US" dirty="0"/>
-              <a:t>End of fiscal celebration on July 15</a:t>
-            </a:r>
-            <a:r>
-              <a:rPr lang="en-US" baseline="30000" dirty="0"/>
-              <a:t>th</a:t>
-            </a:r>
-            <a:r>
-              <a:rPr lang="en-US" dirty="0"/>
-              <a:t> </a:t>
-            </a:r>
-          </a:p>
-          <a:p>
-            <a:r>
-              <a:rPr lang="en-US" dirty="0"/>
-              <a:t>Employee day of learning on August 14</a:t>
-            </a:r>
-            <a:r>
-              <a:rPr lang="en-US" baseline="30000" dirty="0"/>
-              <a:t>th </a:t>
-            </a:r>
-          </a:p>
-          <a:p>
-            <a:r>
-              <a:rPr lang="en-US" dirty="0"/>
-              <a:t>Employee Yoga on September 3</a:t>
-            </a:r>
-            <a:r>
-              <a:rPr lang="en-US" baseline="30000" dirty="0"/>
-              <a:t>rd</a:t>
-            </a:r>
-            <a:r>
-              <a:rPr lang="en-US" dirty="0"/>
-              <a:t> </a:t>
-            </a:r>
-          </a:p>
-          <a:p>
-            <a:r>
-              <a:rPr lang="en-US" dirty="0"/>
-              <a:t>Seminar series begins September 10</a:t>
-            </a:r>
-            <a:r>
-              <a:rPr lang="en-US" baseline="30000" dirty="0"/>
-              <a:t>th</a:t>
-            </a:r>
-            <a:r>
-              <a:rPr lang="en-US" dirty="0"/>
-              <a:t> </a:t>
-            </a:r>
-          </a:p>
-          <a:p>
-            <a:pPr marL="0" indent="0">
-              <a:buNone/>
-            </a:pPr>
-            <a:endParaRPr lang="en-US" dirty="0"/>
-          </a:p>
-        </p:txBody>
-      </p:sp>
-      <p:sp>
-        <p:nvSpPr>
           <p:cNvPr id="4" name="Title 3">
             <a:extLst>
               <a:ext uri="{FF2B5EF4-FFF2-40B4-BE49-F238E27FC236}">
@@ -12894,62 +11625,6 @@
             <a:r>
               <a:rPr lang="en-US" dirty="0"/>
               <a:t>Goals for Q1</a:t>
-            </a:r>
-          </a:p>
-        </p:txBody>
-      </p:sp>
-      <p:sp>
-        <p:nvSpPr>
-          <p:cNvPr id="5" name="Text Placeholder 4">
-            <a:extLst>
-              <a:ext uri="{FF2B5EF4-FFF2-40B4-BE49-F238E27FC236}">
-                <a16:creationId xmlns:a16="http://schemas.microsoft.com/office/drawing/2014/main" id="{435F5E04-B2E2-A5F7-4B97-F649A1507869}"/>
-              </a:ext>
-            </a:extLst>
-          </p:cNvPr>
-          <p:cNvSpPr>
-            <a:spLocks noGrp="1"/>
-          </p:cNvSpPr>
-          <p:nvPr>
-            <p:ph type="body" sz="quarter" idx="17"/>
-          </p:nvPr>
-        </p:nvSpPr>
-        <p:spPr/>
-        <p:txBody>
-          <a:bodyPr/>
-          <a:lstStyle/>
-          <a:p>
-            <a:r>
-              <a:rPr lang="en-US" dirty="0"/>
-              <a:t>Business priorities</a:t>
-            </a:r>
-          </a:p>
-        </p:txBody>
-      </p:sp>
-      <p:sp>
-        <p:nvSpPr>
-          <p:cNvPr id="6" name="Text Placeholder 5">
-            <a:extLst>
-              <a:ext uri="{FF2B5EF4-FFF2-40B4-BE49-F238E27FC236}">
-                <a16:creationId xmlns:a16="http://schemas.microsoft.com/office/drawing/2014/main" id="{EA42D61E-48D3-6766-2D5E-02B24F467B2D}"/>
-              </a:ext>
-            </a:extLst>
-          </p:cNvPr>
-          <p:cNvSpPr>
-            <a:spLocks noGrp="1"/>
-          </p:cNvSpPr>
-          <p:nvPr>
-            <p:ph type="body" sz="quarter" idx="18"/>
-          </p:nvPr>
-        </p:nvSpPr>
-        <p:spPr/>
-        <p:txBody>
-          <a:bodyPr/>
-          <a:lstStyle/>
-          <a:p>
-            <a:r>
-              <a:rPr lang="en-US" dirty="0"/>
-              <a:t>Employee opportunities</a:t>
             </a:r>
           </a:p>
         </p:txBody>
@@ -13050,6 +11725,38 @@
           </a:p>
         </p:txBody>
       </p:sp>
+      <p:pic>
+        <p:nvPicPr>
+          <p:cNvPr id="12" name="Content Placeholder 11">
+            <a:extLst>
+              <a:ext uri="{FF2B5EF4-FFF2-40B4-BE49-F238E27FC236}">
+                <a16:creationId xmlns:a16="http://schemas.microsoft.com/office/drawing/2014/main" id="{F2642B3C-4EB4-BC21-9A0B-CDA31A00C80A}"/>
+              </a:ext>
+            </a:extLst>
+          </p:cNvPr>
+          <p:cNvPicPr>
+            <a:picLocks noGrp="1" noChangeAspect="1"/>
+          </p:cNvPicPr>
+          <p:nvPr>
+            <p:ph sz="half" idx="11"/>
+          </p:nvPr>
+        </p:nvPicPr>
+        <p:blipFill>
+          <a:blip r:embed="rId2"/>
+          <a:stretch>
+            <a:fillRect/>
+          </a:stretch>
+        </p:blipFill>
+        <p:spPr>
+          <a:xfrm>
+            <a:off x="2576051" y="2136881"/>
+            <a:ext cx="7266040" cy="4200174"/>
+          </a:xfrm>
+          <a:prstGeom prst="rect">
+            <a:avLst/>
+          </a:prstGeom>
+        </p:spPr>
+      </p:pic>
     </p:spTree>
     <p:extLst>
       <p:ext uri="{BB962C8B-B14F-4D97-AF65-F5344CB8AC3E}">
@@ -14211,56 +12918,12 @@
           <a:chExt cx="0" cy="0"/>
         </a:xfrm>
       </p:grpSpPr>
-      <p:pic>
-        <p:nvPicPr>
-          <p:cNvPr id="7" name="Picture Placeholder 4" descr="image of ladders against a wall.">
-            <a:extLst>
-              <a:ext uri="{FF2B5EF4-FFF2-40B4-BE49-F238E27FC236}">
-                <a16:creationId xmlns:a16="http://schemas.microsoft.com/office/drawing/2014/main" id="{00F47B26-6646-4859-AAEF-1DC4DE3FD88F}"/>
-              </a:ext>
-            </a:extLst>
-          </p:cNvPr>
-          <p:cNvPicPr>
-            <a:picLocks noGrp="1" noChangeAspect="1"/>
-          </p:cNvPicPr>
-          <p:nvPr>
-            <p:ph type="pic" sz="quarter" idx="10"/>
-          </p:nvPr>
-        </p:nvPicPr>
-        <p:blipFill>
-          <a:blip r:embed="rId2">
-            <a:grayscl/>
-            <a:extLst>
-              <a:ext uri="{BEBA8EAE-BF5A-486C-A8C5-ECC9F3942E4B}">
-                <a14:imgProps xmlns:a14="http://schemas.microsoft.com/office/drawing/2010/main">
-                  <a14:imgLayer r:embed="rId3">
-                    <a14:imgEffect>
-                      <a14:colorTemperature colorTemp="1500"/>
-                    </a14:imgEffect>
-                    <a14:imgEffect>
-                      <a14:saturation sat="21000"/>
-                    </a14:imgEffect>
-                  </a14:imgLayer>
-                </a14:imgProps>
-              </a:ext>
-              <a:ext uri="{28A0092B-C50C-407E-A947-70E740481C1C}">
-                <a14:useLocalDpi xmlns:a14="http://schemas.microsoft.com/office/drawing/2010/main" val="0"/>
-              </a:ext>
-            </a:extLst>
-          </a:blip>
-          <a:srcRect/>
-          <a:stretch>
-            <a:fillRect/>
-          </a:stretch>
-        </p:blipFill>
-        <p:spPr/>
-      </p:pic>
-      <p:sp>
-        <p:nvSpPr>
-          <p:cNvPr id="10" name="Title 9">
-            <a:extLst>
-              <a:ext uri="{FF2B5EF4-FFF2-40B4-BE49-F238E27FC236}">
-                <a16:creationId xmlns:a16="http://schemas.microsoft.com/office/drawing/2014/main" id="{F253E442-C966-BF47-A022-DDAA2A6FEA48}"/>
+      <p:sp>
+        <p:nvSpPr>
+          <p:cNvPr id="2" name="Title 1">
+            <a:extLst>
+              <a:ext uri="{FF2B5EF4-FFF2-40B4-BE49-F238E27FC236}">
+                <a16:creationId xmlns:a16="http://schemas.microsoft.com/office/drawing/2014/main" id="{B2A49BF9-BE3A-8444-BD4C-97AF8ABBD74E}"/>
               </a:ext>
             </a:extLst>
           </p:cNvPr>
@@ -14278,57 +12941,265 @@
           <a:p>
             <a:r>
               <a:rPr lang="en-US" dirty="0"/>
-              <a:t>Last year</a:t>
-            </a:r>
-          </a:p>
-        </p:txBody>
-      </p:sp>
-      <p:cxnSp>
-        <p:nvCxnSpPr>
-          <p:cNvPr id="6" name="Straight Connector 5">
-            <a:extLst>
-              <a:ext uri="{FF2B5EF4-FFF2-40B4-BE49-F238E27FC236}">
-                <a16:creationId xmlns:a16="http://schemas.microsoft.com/office/drawing/2014/main" id="{FAD7BE2C-4E52-6E40-83F8-6BB9BB0244A2}"/>
-              </a:ext>
-              <a:ext uri="{C183D7F6-B498-43B3-948B-1728B52AA6E4}">
-                <adec:decorative xmlns:adec="http://schemas.microsoft.com/office/drawing/2017/decorative" val="1"/>
-              </a:ext>
-            </a:extLst>
-          </p:cNvPr>
-          <p:cNvCxnSpPr>
-            <a:cxnSpLocks/>
-          </p:cNvCxnSpPr>
-          <p:nvPr/>
-        </p:nvCxnSpPr>
-        <p:spPr>
-          <a:xfrm>
-            <a:off x="1036261" y="1876617"/>
-            <a:ext cx="10122586" cy="0"/>
-          </a:xfrm>
-          <a:prstGeom prst="line">
-            <a:avLst/>
-          </a:prstGeom>
-          <a:ln w="76200"/>
-        </p:spPr>
-        <p:style>
-          <a:lnRef idx="1">
-            <a:schemeClr val="dk1"/>
-          </a:lnRef>
-          <a:fillRef idx="0">
-            <a:schemeClr val="dk1"/>
-          </a:fillRef>
-          <a:effectRef idx="0">
-            <a:schemeClr val="dk1"/>
-          </a:effectRef>
-          <a:fontRef idx="minor">
-            <a:schemeClr val="tx1"/>
-          </a:fontRef>
-        </p:style>
-      </p:cxnSp>
+              <a:t>Summary</a:t>
+            </a:r>
+          </a:p>
+        </p:txBody>
+      </p:sp>
+      <p:sp>
+        <p:nvSpPr>
+          <p:cNvPr id="3" name="Text Placeholder 2">
+            <a:extLst>
+              <a:ext uri="{FF2B5EF4-FFF2-40B4-BE49-F238E27FC236}">
+                <a16:creationId xmlns:a16="http://schemas.microsoft.com/office/drawing/2014/main" id="{8117664B-4754-7F4E-ADCF-6AF266499213}"/>
+              </a:ext>
+            </a:extLst>
+          </p:cNvPr>
+          <p:cNvSpPr>
+            <a:spLocks noGrp="1"/>
+          </p:cNvSpPr>
+          <p:nvPr>
+            <p:ph type="body" sz="quarter" idx="10"/>
+          </p:nvPr>
+        </p:nvSpPr>
+        <p:spPr/>
+        <p:txBody>
+          <a:bodyPr/>
+          <a:lstStyle/>
+          <a:p>
+            <a:pPr marL="0" indent="0">
+              <a:lnSpc>
+                <a:spcPct val="100000"/>
+              </a:lnSpc>
+            </a:pPr>
+            <a:r>
+              <a:rPr lang="en-US" b="1" dirty="0"/>
+              <a:t>Our business is good</a:t>
+            </a:r>
+          </a:p>
+          <a:p>
+            <a:pPr marL="0" indent="0">
+              <a:lnSpc>
+                <a:spcPct val="100000"/>
+              </a:lnSpc>
+            </a:pPr>
+            <a:r>
+              <a:rPr lang="en-US" dirty="0"/>
+              <a:t>Profits are up in the last quarter by 3%</a:t>
+            </a:r>
+          </a:p>
+          <a:p>
+            <a:pPr marL="0" indent="0">
+              <a:lnSpc>
+                <a:spcPct val="100000"/>
+              </a:lnSpc>
+            </a:pPr>
+            <a:endParaRPr lang="en-US" dirty="0"/>
+          </a:p>
+          <a:p>
+            <a:pPr marL="0" indent="0">
+              <a:lnSpc>
+                <a:spcPct val="100000"/>
+              </a:lnSpc>
+            </a:pPr>
+            <a:r>
+              <a:rPr lang="en-US" b="1" dirty="0"/>
+              <a:t>We’re delivering for our customers</a:t>
+            </a:r>
+          </a:p>
+          <a:p>
+            <a:pPr marL="0" indent="0">
+              <a:lnSpc>
+                <a:spcPct val="100000"/>
+              </a:lnSpc>
+            </a:pPr>
+            <a:r>
+              <a:rPr lang="en-US" dirty="0"/>
+              <a:t>Last year we supported thousands of customers and sold 60,000 units</a:t>
+            </a:r>
+          </a:p>
+          <a:p>
+            <a:pPr marL="0" indent="0">
+              <a:lnSpc>
+                <a:spcPct val="100000"/>
+              </a:lnSpc>
+            </a:pPr>
+            <a:endParaRPr lang="en-US" dirty="0"/>
+          </a:p>
+          <a:p>
+            <a:pPr marL="0" indent="0">
+              <a:lnSpc>
+                <a:spcPct val="100000"/>
+              </a:lnSpc>
+            </a:pPr>
+            <a:r>
+              <a:rPr lang="en-US" b="1" dirty="0"/>
+              <a:t>We’re getting our work done</a:t>
+            </a:r>
+          </a:p>
+          <a:p>
+            <a:pPr marL="0" indent="0">
+              <a:lnSpc>
+                <a:spcPct val="100000"/>
+              </a:lnSpc>
+            </a:pPr>
+            <a:r>
+              <a:rPr lang="en-US" dirty="0"/>
+              <a:t>We finished the consolidation project</a:t>
+            </a:r>
+          </a:p>
+        </p:txBody>
+      </p:sp>
+      <p:sp>
+        <p:nvSpPr>
+          <p:cNvPr id="4" name="Text Placeholder 3">
+            <a:extLst>
+              <a:ext uri="{FF2B5EF4-FFF2-40B4-BE49-F238E27FC236}">
+                <a16:creationId xmlns:a16="http://schemas.microsoft.com/office/drawing/2014/main" id="{8B92D30E-08D1-F34C-AC54-52AB7886031F}"/>
+              </a:ext>
+            </a:extLst>
+          </p:cNvPr>
+          <p:cNvSpPr>
+            <a:spLocks noGrp="1"/>
+          </p:cNvSpPr>
+          <p:nvPr>
+            <p:ph type="body" sz="quarter" idx="11"/>
+          </p:nvPr>
+        </p:nvSpPr>
+        <p:spPr/>
+        <p:txBody>
+          <a:bodyPr/>
+          <a:lstStyle/>
+          <a:p>
+            <a:r>
+              <a:rPr lang="en-US" b="1" dirty="0"/>
+              <a:t>Our customers keep coming back</a:t>
+            </a:r>
+          </a:p>
+          <a:p>
+            <a:r>
+              <a:rPr lang="en-US" dirty="0"/>
+              <a:t>We increased customer retention by 4%</a:t>
+            </a:r>
+          </a:p>
+          <a:p>
+            <a:endParaRPr lang="en-US" dirty="0"/>
+          </a:p>
+          <a:p>
+            <a:r>
+              <a:rPr lang="en-US" b="1" dirty="0"/>
+              <a:t>We’re leaders</a:t>
+            </a:r>
+          </a:p>
+          <a:p>
+            <a:pPr marL="0" indent="0"/>
+            <a:r>
+              <a:rPr lang="en-US" dirty="0"/>
+              <a:t>We are top leaders in the industry across the board</a:t>
+            </a:r>
+          </a:p>
+        </p:txBody>
+      </p:sp>
+      <p:sp>
+        <p:nvSpPr>
+          <p:cNvPr id="5" name="Date Placeholder 4">
+            <a:extLst>
+              <a:ext uri="{FF2B5EF4-FFF2-40B4-BE49-F238E27FC236}">
+                <a16:creationId xmlns:a16="http://schemas.microsoft.com/office/drawing/2014/main" id="{99C74868-91C9-40B6-8069-D320F26E51F5}"/>
+              </a:ext>
+            </a:extLst>
+          </p:cNvPr>
+          <p:cNvSpPr>
+            <a:spLocks noGrp="1"/>
+          </p:cNvSpPr>
+          <p:nvPr>
+            <p:ph type="dt" sz="half" idx="12"/>
+          </p:nvPr>
+        </p:nvSpPr>
+        <p:spPr/>
+        <p:txBody>
+          <a:bodyPr/>
+          <a:lstStyle/>
+          <a:p>
+            <a:r>
+              <a:rPr lang="en-US"/>
+              <a:t>September 3, 20XX </a:t>
+            </a:r>
+            <a:endParaRPr lang="en-US" dirty="0"/>
+          </a:p>
+        </p:txBody>
+      </p:sp>
+      <p:sp>
+        <p:nvSpPr>
+          <p:cNvPr id="6" name="Footer Placeholder 5">
+            <a:extLst>
+              <a:ext uri="{FF2B5EF4-FFF2-40B4-BE49-F238E27FC236}">
+                <a16:creationId xmlns:a16="http://schemas.microsoft.com/office/drawing/2014/main" id="{FB8B588C-90A8-4A3F-AE4F-BB5E476D20B9}"/>
+              </a:ext>
+            </a:extLst>
+          </p:cNvPr>
+          <p:cNvSpPr>
+            <a:spLocks noGrp="1"/>
+          </p:cNvSpPr>
+          <p:nvPr>
+            <p:ph type="ftr" sz="quarter" idx="13"/>
+          </p:nvPr>
+        </p:nvSpPr>
+        <p:spPr/>
+        <p:txBody>
+          <a:bodyPr/>
+          <a:lstStyle/>
+          <a:p>
+            <a:r>
+              <a:rPr lang="en-US">
+                <a:solidFill>
+                  <a:schemeClr val="bg1"/>
+                </a:solidFill>
+              </a:rPr>
+              <a:t>Annual Review</a:t>
+            </a:r>
+            <a:endParaRPr lang="en-US" dirty="0">
+              <a:solidFill>
+                <a:schemeClr val="bg1"/>
+              </a:solidFill>
+            </a:endParaRPr>
+          </a:p>
+        </p:txBody>
+      </p:sp>
+      <p:sp>
+        <p:nvSpPr>
+          <p:cNvPr id="7" name="Slide Number Placeholder 6">
+            <a:extLst>
+              <a:ext uri="{FF2B5EF4-FFF2-40B4-BE49-F238E27FC236}">
+                <a16:creationId xmlns:a16="http://schemas.microsoft.com/office/drawing/2014/main" id="{F3B054C5-D38D-4250-8FB9-1381546143D5}"/>
+              </a:ext>
+            </a:extLst>
+          </p:cNvPr>
+          <p:cNvSpPr>
+            <a:spLocks noGrp="1"/>
+          </p:cNvSpPr>
+          <p:nvPr>
+            <p:ph type="sldNum" sz="quarter" idx="14"/>
+          </p:nvPr>
+        </p:nvSpPr>
+        <p:spPr/>
+        <p:txBody>
+          <a:bodyPr/>
+          <a:lstStyle/>
+          <a:p>
+            <a:fld id="{7782931A-7D25-4B4B-9464-57AE418934A3}" type="slidenum">
+              <a:rPr lang="en-US" smtClean="0"/>
+              <a:pPr/>
+              <a:t>4</a:t>
+            </a:fld>
+            <a:endParaRPr lang="en-US"/>
+          </a:p>
+        </p:txBody>
+      </p:sp>
     </p:spTree>
     <p:extLst>
       <p:ext uri="{BB962C8B-B14F-4D97-AF65-F5344CB8AC3E}">
-        <p14:creationId xmlns:p14="http://schemas.microsoft.com/office/powerpoint/2010/main" val="2072174477"/>
+        <p14:creationId xmlns:p14="http://schemas.microsoft.com/office/powerpoint/2010/main" val="1696792912"/>
       </p:ext>
     </p:extLst>
   </p:cSld>
@@ -14355,43 +13226,12 @@
           <a:chExt cx="0" cy="0"/>
         </a:xfrm>
       </p:grpSpPr>
-      <p:graphicFrame>
-        <p:nvGraphicFramePr>
-          <p:cNvPr id="4" name="Chart Placeholder 3" descr="Growth Chart">
-            <a:extLst>
-              <a:ext uri="{FF2B5EF4-FFF2-40B4-BE49-F238E27FC236}">
-                <a16:creationId xmlns:a16="http://schemas.microsoft.com/office/drawing/2014/main" id="{C666B7B5-0DD0-1F41-89D4-5604B093912F}"/>
-              </a:ext>
-            </a:extLst>
-          </p:cNvPr>
-          <p:cNvGraphicFramePr>
-            <a:graphicFrameLocks noGrp="1"/>
-          </p:cNvGraphicFramePr>
-          <p:nvPr>
-            <p:ph type="chart" sz="quarter" idx="11"/>
-            <p:extLst>
-              <p:ext uri="{D42A27DB-BD31-4B8C-83A1-F6EECF244321}">
-                <p14:modId xmlns:p14="http://schemas.microsoft.com/office/powerpoint/2010/main" val="3997076516"/>
-              </p:ext>
-            </p:extLst>
-          </p:nvPr>
-        </p:nvGraphicFramePr>
-        <p:xfrm>
-          <a:off x="950913" y="2286000"/>
-          <a:ext cx="9145587" cy="3165475"/>
-        </p:xfrm>
-        <a:graphic>
-          <a:graphicData uri="http://schemas.openxmlformats.org/drawingml/2006/chart">
-            <c:chart xmlns:c="http://schemas.openxmlformats.org/drawingml/2006/chart" xmlns:r="http://schemas.openxmlformats.org/officeDocument/2006/relationships" r:id="rId2"/>
-          </a:graphicData>
-        </a:graphic>
-      </p:graphicFrame>
-      <p:sp>
-        <p:nvSpPr>
-          <p:cNvPr id="3" name="Title 2">
-            <a:extLst>
-              <a:ext uri="{FF2B5EF4-FFF2-40B4-BE49-F238E27FC236}">
-                <a16:creationId xmlns:a16="http://schemas.microsoft.com/office/drawing/2014/main" id="{4B4391A8-86CF-7246-9C31-CC6670044FDA}"/>
+      <p:sp>
+        <p:nvSpPr>
+          <p:cNvPr id="4" name="Title 3">
+            <a:extLst>
+              <a:ext uri="{FF2B5EF4-FFF2-40B4-BE49-F238E27FC236}">
+                <a16:creationId xmlns:a16="http://schemas.microsoft.com/office/drawing/2014/main" id="{BC9BB335-2462-3D47-A2A8-85BA2D85C19B}"/>
               </a:ext>
             </a:extLst>
           </p:cNvPr>
@@ -14409,7 +13249,7 @@
           <a:p>
             <a:r>
               <a:rPr lang="en-US" dirty="0"/>
-              <a:t>Growth by sector chart</a:t>
+              <a:t>Growth by sector table</a:t>
             </a:r>
           </a:p>
         </p:txBody>
@@ -14419,15 +13259,15 @@
           <p:cNvPr id="2" name="Date Placeholder 1">
             <a:extLst>
               <a:ext uri="{FF2B5EF4-FFF2-40B4-BE49-F238E27FC236}">
-                <a16:creationId xmlns:a16="http://schemas.microsoft.com/office/drawing/2014/main" id="{37D75E85-59EF-445E-8928-63AC7377D2C2}"/>
-              </a:ext>
-            </a:extLst>
-          </p:cNvPr>
-          <p:cNvSpPr>
-            <a:spLocks noGrp="1"/>
-          </p:cNvSpPr>
-          <p:nvPr>
-            <p:ph type="dt" sz="half" idx="12"/>
+                <a16:creationId xmlns:a16="http://schemas.microsoft.com/office/drawing/2014/main" id="{EB7C1C1C-2E16-451A-BC65-4BE897152D13}"/>
+              </a:ext>
+            </a:extLst>
+          </p:cNvPr>
+          <p:cNvSpPr>
+            <a:spLocks noGrp="1"/>
+          </p:cNvSpPr>
+          <p:nvPr>
+            <p:ph type="dt" sz="half" idx="20"/>
           </p:nvPr>
         </p:nvSpPr>
         <p:spPr/>
@@ -14445,18 +13285,18 @@
       </p:sp>
       <p:sp>
         <p:nvSpPr>
-          <p:cNvPr id="5" name="Footer Placeholder 4">
-            <a:extLst>
-              <a:ext uri="{FF2B5EF4-FFF2-40B4-BE49-F238E27FC236}">
-                <a16:creationId xmlns:a16="http://schemas.microsoft.com/office/drawing/2014/main" id="{B26F5772-47E8-412F-A4E9-2F4CECCBF51E}"/>
-              </a:ext>
-            </a:extLst>
-          </p:cNvPr>
-          <p:cNvSpPr>
-            <a:spLocks noGrp="1"/>
-          </p:cNvSpPr>
-          <p:nvPr>
-            <p:ph type="ftr" sz="quarter" idx="13"/>
+          <p:cNvPr id="3" name="Footer Placeholder 2">
+            <a:extLst>
+              <a:ext uri="{FF2B5EF4-FFF2-40B4-BE49-F238E27FC236}">
+                <a16:creationId xmlns:a16="http://schemas.microsoft.com/office/drawing/2014/main" id="{B41A22DE-90F3-4C5C-921E-00BF1BD68B9B}"/>
+              </a:ext>
+            </a:extLst>
+          </p:cNvPr>
+          <p:cNvSpPr>
+            <a:spLocks noGrp="1"/>
+          </p:cNvSpPr>
+          <p:nvPr>
+            <p:ph type="ftr" sz="quarter" idx="21"/>
           </p:nvPr>
         </p:nvSpPr>
         <p:spPr/>
@@ -14482,18 +13322,18 @@
       </p:sp>
       <p:sp>
         <p:nvSpPr>
-          <p:cNvPr id="6" name="Slide Number Placeholder 5">
-            <a:extLst>
-              <a:ext uri="{FF2B5EF4-FFF2-40B4-BE49-F238E27FC236}">
-                <a16:creationId xmlns:a16="http://schemas.microsoft.com/office/drawing/2014/main" id="{5D82835A-A332-4647-B267-D78B14BFA4A8}"/>
-              </a:ext>
-            </a:extLst>
-          </p:cNvPr>
-          <p:cNvSpPr>
-            <a:spLocks noGrp="1"/>
-          </p:cNvSpPr>
-          <p:nvPr>
-            <p:ph type="sldNum" sz="quarter" idx="14"/>
+          <p:cNvPr id="5" name="Slide Number Placeholder 4">
+            <a:extLst>
+              <a:ext uri="{FF2B5EF4-FFF2-40B4-BE49-F238E27FC236}">
+                <a16:creationId xmlns:a16="http://schemas.microsoft.com/office/drawing/2014/main" id="{031A4ADA-7998-4A9D-939E-3A1B16A0F2F1}"/>
+              </a:ext>
+            </a:extLst>
+          </p:cNvPr>
+          <p:cNvSpPr>
+            <a:spLocks noGrp="1"/>
+          </p:cNvSpPr>
+          <p:nvPr>
+            <p:ph type="sldNum" sz="quarter" idx="22"/>
           </p:nvPr>
         </p:nvSpPr>
         <p:spPr/>
@@ -14510,10 +13350,40 @@
           </a:p>
         </p:txBody>
       </p:sp>
+      <p:pic>
+        <p:nvPicPr>
+          <p:cNvPr id="17" name="Picture 16">
+            <a:extLst>
+              <a:ext uri="{FF2B5EF4-FFF2-40B4-BE49-F238E27FC236}">
+                <a16:creationId xmlns:a16="http://schemas.microsoft.com/office/drawing/2014/main" id="{8B08D503-9C89-724F-3B0D-D4F05338A1E4}"/>
+              </a:ext>
+            </a:extLst>
+          </p:cNvPr>
+          <p:cNvPicPr>
+            <a:picLocks noChangeAspect="1"/>
+          </p:cNvPicPr>
+          <p:nvPr/>
+        </p:nvPicPr>
+        <p:blipFill>
+          <a:blip r:embed="rId3"/>
+          <a:stretch>
+            <a:fillRect/>
+          </a:stretch>
+        </p:blipFill>
+        <p:spPr>
+          <a:xfrm>
+            <a:off x="2296587" y="2062291"/>
+            <a:ext cx="7487548" cy="4328217"/>
+          </a:xfrm>
+          <a:prstGeom prst="rect">
+            <a:avLst/>
+          </a:prstGeom>
+        </p:spPr>
+      </p:pic>
     </p:spTree>
     <p:extLst>
       <p:ext uri="{BB962C8B-B14F-4D97-AF65-F5344CB8AC3E}">
-        <p14:creationId xmlns:p14="http://schemas.microsoft.com/office/powerpoint/2010/main" val="2351439976"/>
+        <p14:creationId xmlns:p14="http://schemas.microsoft.com/office/powerpoint/2010/main" val="3622761875"/>
       </p:ext>
     </p:extLst>
   </p:cSld>
@@ -14540,1149 +13410,12 @@
           <a:chExt cx="0" cy="0"/>
         </a:xfrm>
       </p:grpSpPr>
-      <p:graphicFrame>
-        <p:nvGraphicFramePr>
-          <p:cNvPr id="10" name="Table 10">
-            <a:extLst>
-              <a:ext uri="{FF2B5EF4-FFF2-40B4-BE49-F238E27FC236}">
-                <a16:creationId xmlns:a16="http://schemas.microsoft.com/office/drawing/2014/main" id="{964C0837-F213-47AB-A5B5-63EB1CECC465}"/>
-              </a:ext>
-            </a:extLst>
-          </p:cNvPr>
-          <p:cNvGraphicFramePr>
-            <a:graphicFrameLocks noGrp="1"/>
-          </p:cNvGraphicFramePr>
-          <p:nvPr>
-            <p:ph sz="half" idx="2"/>
-            <p:extLst>
-              <p:ext uri="{D42A27DB-BD31-4B8C-83A1-F6EECF244321}">
-                <p14:modId xmlns:p14="http://schemas.microsoft.com/office/powerpoint/2010/main" val="1925621783"/>
-              </p:ext>
-            </p:extLst>
-          </p:nvPr>
-        </p:nvGraphicFramePr>
-        <p:xfrm>
-          <a:off x="1036638" y="3052763"/>
-          <a:ext cx="3078160" cy="2231136"/>
-        </p:xfrm>
-        <a:graphic>
-          <a:graphicData uri="http://schemas.openxmlformats.org/drawingml/2006/table">
-            <a:tbl>
-              <a:tblPr firstRow="1" bandRow="1">
-                <a:tableStyleId>{2D5ABB26-0587-4C30-8999-92F81FD0307C}</a:tableStyleId>
-              </a:tblPr>
-              <a:tblGrid>
-                <a:gridCol w="615632">
-                  <a:extLst>
-                    <a:ext uri="{9D8B030D-6E8A-4147-A177-3AD203B41FA5}">
-                      <a16:colId xmlns:a16="http://schemas.microsoft.com/office/drawing/2014/main" val="3066388131"/>
-                    </a:ext>
-                  </a:extLst>
-                </a:gridCol>
-                <a:gridCol w="615632">
-                  <a:extLst>
-                    <a:ext uri="{9D8B030D-6E8A-4147-A177-3AD203B41FA5}">
-                      <a16:colId xmlns:a16="http://schemas.microsoft.com/office/drawing/2014/main" val="3448344683"/>
-                    </a:ext>
-                  </a:extLst>
-                </a:gridCol>
-                <a:gridCol w="615632">
-                  <a:extLst>
-                    <a:ext uri="{9D8B030D-6E8A-4147-A177-3AD203B41FA5}">
-                      <a16:colId xmlns:a16="http://schemas.microsoft.com/office/drawing/2014/main" val="217594576"/>
-                    </a:ext>
-                  </a:extLst>
-                </a:gridCol>
-                <a:gridCol w="615632">
-                  <a:extLst>
-                    <a:ext uri="{9D8B030D-6E8A-4147-A177-3AD203B41FA5}">
-                      <a16:colId xmlns:a16="http://schemas.microsoft.com/office/drawing/2014/main" val="2077066712"/>
-                    </a:ext>
-                  </a:extLst>
-                </a:gridCol>
-                <a:gridCol w="615632">
-                  <a:extLst>
-                    <a:ext uri="{9D8B030D-6E8A-4147-A177-3AD203B41FA5}">
-                      <a16:colId xmlns:a16="http://schemas.microsoft.com/office/drawing/2014/main" val="2549506781"/>
-                    </a:ext>
-                  </a:extLst>
-                </a:gridCol>
-              </a:tblGrid>
-              <a:tr h="557784">
-                <a:tc>
-                  <a:txBody>
-                    <a:bodyPr/>
-                    <a:lstStyle/>
-                    <a:p>
-                      <a:pPr algn="ctr"/>
-                      <a:endParaRPr lang="en-US" sz="1400" dirty="0">
-                        <a:solidFill>
-                          <a:schemeClr val="bg1"/>
-                        </a:solidFill>
-                      </a:endParaRPr>
-                    </a:p>
-                  </a:txBody>
-                  <a:tcPr anchor="ctr">
-                    <a:lnR w="12700" cap="flat" cmpd="sng" algn="ctr">
-                      <a:solidFill>
-                        <a:schemeClr val="tx1"/>
-                      </a:solidFill>
-                      <a:prstDash val="solid"/>
-                      <a:round/>
-                      <a:headEnd type="none" w="med" len="med"/>
-                      <a:tailEnd type="none" w="med" len="med"/>
-                    </a:lnR>
-                    <a:lnB w="12700" cap="flat" cmpd="sng" algn="ctr">
-                      <a:solidFill>
-                        <a:schemeClr val="bg1"/>
-                      </a:solidFill>
-                      <a:prstDash val="solid"/>
-                      <a:round/>
-                      <a:headEnd type="none" w="med" len="med"/>
-                      <a:tailEnd type="none" w="med" len="med"/>
-                    </a:lnB>
-                  </a:tcPr>
-                </a:tc>
-                <a:tc>
-                  <a:txBody>
-                    <a:bodyPr/>
-                    <a:lstStyle/>
-                    <a:p>
-                      <a:pPr marL="0" marR="0" lvl="0" indent="0" algn="ctr" defTabSz="914400" rtl="0" eaLnBrk="1" fontAlgn="auto" latinLnBrk="0" hangingPunct="1">
-                        <a:lnSpc>
-                          <a:spcPct val="100000"/>
-                        </a:lnSpc>
-                        <a:spcBef>
-                          <a:spcPts val="0"/>
-                        </a:spcBef>
-                        <a:spcAft>
-                          <a:spcPts val="0"/>
-                        </a:spcAft>
-                        <a:buClrTx/>
-                        <a:buSzTx/>
-                        <a:buFontTx/>
-                        <a:buNone/>
-                        <a:tabLst/>
-                        <a:defRPr/>
-                      </a:pPr>
-                      <a:r>
-                        <a:rPr lang="en-US" sz="1400" b="1" dirty="0">
-                          <a:solidFill>
-                            <a:schemeClr val="bg1"/>
-                          </a:solidFill>
-                        </a:rPr>
-                        <a:t>Q1</a:t>
-                      </a:r>
-                    </a:p>
-                  </a:txBody>
-                  <a:tcPr anchor="ctr">
-                    <a:lnL w="12700" cap="flat" cmpd="sng" algn="ctr">
-                      <a:solidFill>
-                        <a:schemeClr val="tx1"/>
-                      </a:solidFill>
-                      <a:prstDash val="solid"/>
-                      <a:round/>
-                      <a:headEnd type="none" w="med" len="med"/>
-                      <a:tailEnd type="none" w="med" len="med"/>
-                    </a:lnL>
-                    <a:lnR w="12700" cap="flat" cmpd="sng" algn="ctr">
-                      <a:solidFill>
-                        <a:schemeClr val="tx1"/>
-                      </a:solidFill>
-                      <a:prstDash val="solid"/>
-                      <a:round/>
-                      <a:headEnd type="none" w="med" len="med"/>
-                      <a:tailEnd type="none" w="med" len="med"/>
-                    </a:lnR>
-                    <a:lnB w="12700" cap="flat" cmpd="sng" algn="ctr">
-                      <a:solidFill>
-                        <a:schemeClr val="bg1"/>
-                      </a:solidFill>
-                      <a:prstDash val="solid"/>
-                      <a:round/>
-                      <a:headEnd type="none" w="med" len="med"/>
-                      <a:tailEnd type="none" w="med" len="med"/>
-                    </a:lnB>
-                  </a:tcPr>
-                </a:tc>
-                <a:tc>
-                  <a:txBody>
-                    <a:bodyPr/>
-                    <a:lstStyle/>
-                    <a:p>
-                      <a:pPr algn="ctr"/>
-                      <a:r>
-                        <a:rPr lang="en-US" sz="1400" b="1" dirty="0">
-                          <a:solidFill>
-                            <a:schemeClr val="bg1"/>
-                          </a:solidFill>
-                        </a:rPr>
-                        <a:t>Q2</a:t>
-                      </a:r>
-                    </a:p>
-                  </a:txBody>
-                  <a:tcPr anchor="ctr">
-                    <a:lnL w="12700" cap="flat" cmpd="sng" algn="ctr">
-                      <a:solidFill>
-                        <a:schemeClr val="tx1"/>
-                      </a:solidFill>
-                      <a:prstDash val="solid"/>
-                      <a:round/>
-                      <a:headEnd type="none" w="med" len="med"/>
-                      <a:tailEnd type="none" w="med" len="med"/>
-                    </a:lnL>
-                    <a:lnR w="12700" cap="flat" cmpd="sng" algn="ctr">
-                      <a:solidFill>
-                        <a:schemeClr val="tx1"/>
-                      </a:solidFill>
-                      <a:prstDash val="solid"/>
-                      <a:round/>
-                      <a:headEnd type="none" w="med" len="med"/>
-                      <a:tailEnd type="none" w="med" len="med"/>
-                    </a:lnR>
-                    <a:lnB w="12700" cap="flat" cmpd="sng" algn="ctr">
-                      <a:solidFill>
-                        <a:schemeClr val="bg1"/>
-                      </a:solidFill>
-                      <a:prstDash val="solid"/>
-                      <a:round/>
-                      <a:headEnd type="none" w="med" len="med"/>
-                      <a:tailEnd type="none" w="med" len="med"/>
-                    </a:lnB>
-                  </a:tcPr>
-                </a:tc>
-                <a:tc>
-                  <a:txBody>
-                    <a:bodyPr/>
-                    <a:lstStyle/>
-                    <a:p>
-                      <a:pPr algn="ctr"/>
-                      <a:r>
-                        <a:rPr lang="en-US" sz="1400" b="1" dirty="0">
-                          <a:solidFill>
-                            <a:schemeClr val="bg1"/>
-                          </a:solidFill>
-                        </a:rPr>
-                        <a:t>Q3</a:t>
-                      </a:r>
-                    </a:p>
-                  </a:txBody>
-                  <a:tcPr anchor="ctr">
-                    <a:lnL w="12700" cap="flat" cmpd="sng" algn="ctr">
-                      <a:solidFill>
-                        <a:schemeClr val="tx1"/>
-                      </a:solidFill>
-                      <a:prstDash val="solid"/>
-                      <a:round/>
-                      <a:headEnd type="none" w="med" len="med"/>
-                      <a:tailEnd type="none" w="med" len="med"/>
-                    </a:lnL>
-                    <a:lnR w="12700" cap="flat" cmpd="sng" algn="ctr">
-                      <a:solidFill>
-                        <a:schemeClr val="tx1"/>
-                      </a:solidFill>
-                      <a:prstDash val="solid"/>
-                      <a:round/>
-                      <a:headEnd type="none" w="med" len="med"/>
-                      <a:tailEnd type="none" w="med" len="med"/>
-                    </a:lnR>
-                    <a:lnB w="12700" cap="flat" cmpd="sng" algn="ctr">
-                      <a:solidFill>
-                        <a:schemeClr val="bg1"/>
-                      </a:solidFill>
-                      <a:prstDash val="solid"/>
-                      <a:round/>
-                      <a:headEnd type="none" w="med" len="med"/>
-                      <a:tailEnd type="none" w="med" len="med"/>
-                    </a:lnB>
-                  </a:tcPr>
-                </a:tc>
-                <a:tc>
-                  <a:txBody>
-                    <a:bodyPr/>
-                    <a:lstStyle/>
-                    <a:p>
-                      <a:pPr algn="ctr"/>
-                      <a:r>
-                        <a:rPr lang="en-US" sz="1400" b="1" dirty="0">
-                          <a:solidFill>
-                            <a:schemeClr val="bg1"/>
-                          </a:solidFill>
-                        </a:rPr>
-                        <a:t>Q4</a:t>
-                      </a:r>
-                    </a:p>
-                  </a:txBody>
-                  <a:tcPr anchor="ctr">
-                    <a:lnL w="12700" cap="flat" cmpd="sng" algn="ctr">
-                      <a:solidFill>
-                        <a:schemeClr val="tx1"/>
-                      </a:solidFill>
-                      <a:prstDash val="solid"/>
-                      <a:round/>
-                      <a:headEnd type="none" w="med" len="med"/>
-                      <a:tailEnd type="none" w="med" len="med"/>
-                    </a:lnL>
-                    <a:lnR w="12700" cap="flat" cmpd="sng" algn="ctr">
-                      <a:solidFill>
-                        <a:schemeClr val="tx1"/>
-                      </a:solidFill>
-                      <a:prstDash val="solid"/>
-                      <a:round/>
-                      <a:headEnd type="none" w="med" len="med"/>
-                      <a:tailEnd type="none" w="med" len="med"/>
-                    </a:lnR>
-                    <a:lnB w="12700" cap="flat" cmpd="sng" algn="ctr">
-                      <a:solidFill>
-                        <a:schemeClr val="bg1"/>
-                      </a:solidFill>
-                      <a:prstDash val="solid"/>
-                      <a:round/>
-                      <a:headEnd type="none" w="med" len="med"/>
-                      <a:tailEnd type="none" w="med" len="med"/>
-                    </a:lnB>
-                  </a:tcPr>
-                </a:tc>
-                <a:extLst>
-                  <a:ext uri="{0D108BD9-81ED-4DB2-BD59-A6C34878D82A}">
-                    <a16:rowId xmlns:a16="http://schemas.microsoft.com/office/drawing/2014/main" val="2717906268"/>
-                  </a:ext>
-                </a:extLst>
-              </a:tr>
-              <a:tr h="557784">
-                <a:tc>
-                  <a:txBody>
-                    <a:bodyPr/>
-                    <a:lstStyle/>
-                    <a:p>
-                      <a:pPr algn="ctr"/>
-                      <a:r>
-                        <a:rPr lang="en-US" sz="1400" b="1" dirty="0">
-                          <a:solidFill>
-                            <a:schemeClr val="bg1"/>
-                          </a:solidFill>
-                        </a:rPr>
-                        <a:t>Series 1</a:t>
-                      </a:r>
-                    </a:p>
-                  </a:txBody>
-                  <a:tcPr anchor="ctr">
-                    <a:lnR w="12700" cap="flat" cmpd="sng" algn="ctr">
-                      <a:solidFill>
-                        <a:schemeClr val="tx1"/>
-                      </a:solidFill>
-                      <a:prstDash val="solid"/>
-                      <a:round/>
-                      <a:headEnd type="none" w="med" len="med"/>
-                      <a:tailEnd type="none" w="med" len="med"/>
-                    </a:lnR>
-                    <a:lnT w="12700" cap="flat" cmpd="sng" algn="ctr">
-                      <a:solidFill>
-                        <a:schemeClr val="bg1"/>
-                      </a:solidFill>
-                      <a:prstDash val="solid"/>
-                      <a:round/>
-                      <a:headEnd type="none" w="med" len="med"/>
-                      <a:tailEnd type="none" w="med" len="med"/>
-                    </a:lnT>
-                    <a:lnB w="12700" cap="flat" cmpd="sng" algn="ctr">
-                      <a:solidFill>
-                        <a:schemeClr val="bg1"/>
-                      </a:solidFill>
-                      <a:prstDash val="solid"/>
-                      <a:round/>
-                      <a:headEnd type="none" w="med" len="med"/>
-                      <a:tailEnd type="none" w="med" len="med"/>
-                    </a:lnB>
-                  </a:tcPr>
-                </a:tc>
-                <a:tc>
-                  <a:txBody>
-                    <a:bodyPr/>
-                    <a:lstStyle/>
-                    <a:p>
-                      <a:pPr algn="ctr"/>
-                      <a:r>
-                        <a:rPr lang="en-US" sz="1400" dirty="0">
-                          <a:solidFill>
-                            <a:schemeClr val="bg1"/>
-                          </a:solidFill>
-                        </a:rPr>
-                        <a:t>4.3</a:t>
-                      </a:r>
-                    </a:p>
-                  </a:txBody>
-                  <a:tcPr anchor="ctr">
-                    <a:lnL w="12700" cap="flat" cmpd="sng" algn="ctr">
-                      <a:solidFill>
-                        <a:schemeClr val="tx1"/>
-                      </a:solidFill>
-                      <a:prstDash val="solid"/>
-                      <a:round/>
-                      <a:headEnd type="none" w="med" len="med"/>
-                      <a:tailEnd type="none" w="med" len="med"/>
-                    </a:lnL>
-                    <a:lnR w="12700" cap="flat" cmpd="sng" algn="ctr">
-                      <a:solidFill>
-                        <a:schemeClr val="tx1"/>
-                      </a:solidFill>
-                      <a:prstDash val="solid"/>
-                      <a:round/>
-                      <a:headEnd type="none" w="med" len="med"/>
-                      <a:tailEnd type="none" w="med" len="med"/>
-                    </a:lnR>
-                    <a:lnT w="12700" cap="flat" cmpd="sng" algn="ctr">
-                      <a:solidFill>
-                        <a:schemeClr val="bg1"/>
-                      </a:solidFill>
-                      <a:prstDash val="solid"/>
-                      <a:round/>
-                      <a:headEnd type="none" w="med" len="med"/>
-                      <a:tailEnd type="none" w="med" len="med"/>
-                    </a:lnT>
-                    <a:lnB w="12700" cap="flat" cmpd="sng" algn="ctr">
-                      <a:solidFill>
-                        <a:schemeClr val="bg1"/>
-                      </a:solidFill>
-                      <a:prstDash val="solid"/>
-                      <a:round/>
-                      <a:headEnd type="none" w="med" len="med"/>
-                      <a:tailEnd type="none" w="med" len="med"/>
-                    </a:lnB>
-                  </a:tcPr>
-                </a:tc>
-                <a:tc>
-                  <a:txBody>
-                    <a:bodyPr/>
-                    <a:lstStyle/>
-                    <a:p>
-                      <a:pPr algn="ctr"/>
-                      <a:r>
-                        <a:rPr lang="en-US" sz="1400" dirty="0">
-                          <a:solidFill>
-                            <a:schemeClr val="bg1"/>
-                          </a:solidFill>
-                        </a:rPr>
-                        <a:t>2.5</a:t>
-                      </a:r>
-                    </a:p>
-                  </a:txBody>
-                  <a:tcPr anchor="ctr">
-                    <a:lnL w="12700" cap="flat" cmpd="sng" algn="ctr">
-                      <a:solidFill>
-                        <a:schemeClr val="tx1"/>
-                      </a:solidFill>
-                      <a:prstDash val="solid"/>
-                      <a:round/>
-                      <a:headEnd type="none" w="med" len="med"/>
-                      <a:tailEnd type="none" w="med" len="med"/>
-                    </a:lnL>
-                    <a:lnR w="12700" cap="flat" cmpd="sng" algn="ctr">
-                      <a:solidFill>
-                        <a:schemeClr val="tx1"/>
-                      </a:solidFill>
-                      <a:prstDash val="solid"/>
-                      <a:round/>
-                      <a:headEnd type="none" w="med" len="med"/>
-                      <a:tailEnd type="none" w="med" len="med"/>
-                    </a:lnR>
-                    <a:lnT w="12700" cap="flat" cmpd="sng" algn="ctr">
-                      <a:solidFill>
-                        <a:schemeClr val="bg1"/>
-                      </a:solidFill>
-                      <a:prstDash val="solid"/>
-                      <a:round/>
-                      <a:headEnd type="none" w="med" len="med"/>
-                      <a:tailEnd type="none" w="med" len="med"/>
-                    </a:lnT>
-                    <a:lnB w="12700" cap="flat" cmpd="sng" algn="ctr">
-                      <a:solidFill>
-                        <a:schemeClr val="bg1"/>
-                      </a:solidFill>
-                      <a:prstDash val="solid"/>
-                      <a:round/>
-                      <a:headEnd type="none" w="med" len="med"/>
-                      <a:tailEnd type="none" w="med" len="med"/>
-                    </a:lnB>
-                  </a:tcPr>
-                </a:tc>
-                <a:tc>
-                  <a:txBody>
-                    <a:bodyPr/>
-                    <a:lstStyle/>
-                    <a:p>
-                      <a:pPr algn="ctr"/>
-                      <a:r>
-                        <a:rPr lang="en-US" sz="1400" dirty="0">
-                          <a:solidFill>
-                            <a:schemeClr val="bg1"/>
-                          </a:solidFill>
-                        </a:rPr>
-                        <a:t>3.5</a:t>
-                      </a:r>
-                    </a:p>
-                  </a:txBody>
-                  <a:tcPr anchor="ctr">
-                    <a:lnL w="12700" cap="flat" cmpd="sng" algn="ctr">
-                      <a:solidFill>
-                        <a:schemeClr val="tx1"/>
-                      </a:solidFill>
-                      <a:prstDash val="solid"/>
-                      <a:round/>
-                      <a:headEnd type="none" w="med" len="med"/>
-                      <a:tailEnd type="none" w="med" len="med"/>
-                    </a:lnL>
-                    <a:lnR w="12700" cap="flat" cmpd="sng" algn="ctr">
-                      <a:solidFill>
-                        <a:schemeClr val="tx1"/>
-                      </a:solidFill>
-                      <a:prstDash val="solid"/>
-                      <a:round/>
-                      <a:headEnd type="none" w="med" len="med"/>
-                      <a:tailEnd type="none" w="med" len="med"/>
-                    </a:lnR>
-                    <a:lnT w="12700" cap="flat" cmpd="sng" algn="ctr">
-                      <a:solidFill>
-                        <a:schemeClr val="bg1"/>
-                      </a:solidFill>
-                      <a:prstDash val="solid"/>
-                      <a:round/>
-                      <a:headEnd type="none" w="med" len="med"/>
-                      <a:tailEnd type="none" w="med" len="med"/>
-                    </a:lnT>
-                    <a:lnB w="12700" cap="flat" cmpd="sng" algn="ctr">
-                      <a:solidFill>
-                        <a:schemeClr val="bg1"/>
-                      </a:solidFill>
-                      <a:prstDash val="solid"/>
-                      <a:round/>
-                      <a:headEnd type="none" w="med" len="med"/>
-                      <a:tailEnd type="none" w="med" len="med"/>
-                    </a:lnB>
-                  </a:tcPr>
-                </a:tc>
-                <a:tc>
-                  <a:txBody>
-                    <a:bodyPr/>
-                    <a:lstStyle/>
-                    <a:p>
-                      <a:pPr algn="ctr"/>
-                      <a:r>
-                        <a:rPr lang="en-US" sz="1400" dirty="0">
-                          <a:solidFill>
-                            <a:schemeClr val="bg1"/>
-                          </a:solidFill>
-                        </a:rPr>
-                        <a:t>4.5</a:t>
-                      </a:r>
-                    </a:p>
-                  </a:txBody>
-                  <a:tcPr anchor="ctr">
-                    <a:lnL w="12700" cap="flat" cmpd="sng" algn="ctr">
-                      <a:solidFill>
-                        <a:schemeClr val="tx1"/>
-                      </a:solidFill>
-                      <a:prstDash val="solid"/>
-                      <a:round/>
-                      <a:headEnd type="none" w="med" len="med"/>
-                      <a:tailEnd type="none" w="med" len="med"/>
-                    </a:lnL>
-                    <a:lnR w="12700" cap="flat" cmpd="sng" algn="ctr">
-                      <a:solidFill>
-                        <a:schemeClr val="tx1"/>
-                      </a:solidFill>
-                      <a:prstDash val="solid"/>
-                      <a:round/>
-                      <a:headEnd type="none" w="med" len="med"/>
-                      <a:tailEnd type="none" w="med" len="med"/>
-                    </a:lnR>
-                    <a:lnT w="12700" cap="flat" cmpd="sng" algn="ctr">
-                      <a:solidFill>
-                        <a:schemeClr val="bg1"/>
-                      </a:solidFill>
-                      <a:prstDash val="solid"/>
-                      <a:round/>
-                      <a:headEnd type="none" w="med" len="med"/>
-                      <a:tailEnd type="none" w="med" len="med"/>
-                    </a:lnT>
-                    <a:lnB w="12700" cap="flat" cmpd="sng" algn="ctr">
-                      <a:solidFill>
-                        <a:schemeClr val="bg1"/>
-                      </a:solidFill>
-                      <a:prstDash val="solid"/>
-                      <a:round/>
-                      <a:headEnd type="none" w="med" len="med"/>
-                      <a:tailEnd type="none" w="med" len="med"/>
-                    </a:lnB>
-                  </a:tcPr>
-                </a:tc>
-                <a:extLst>
-                  <a:ext uri="{0D108BD9-81ED-4DB2-BD59-A6C34878D82A}">
-                    <a16:rowId xmlns:a16="http://schemas.microsoft.com/office/drawing/2014/main" val="1831469555"/>
-                  </a:ext>
-                </a:extLst>
-              </a:tr>
-              <a:tr h="557784">
-                <a:tc>
-                  <a:txBody>
-                    <a:bodyPr/>
-                    <a:lstStyle/>
-                    <a:p>
-                      <a:pPr algn="ctr"/>
-                      <a:r>
-                        <a:rPr lang="en-US" sz="1400" b="1" dirty="0">
-                          <a:solidFill>
-                            <a:schemeClr val="bg1"/>
-                          </a:solidFill>
-                        </a:rPr>
-                        <a:t>Series 2</a:t>
-                      </a:r>
-                    </a:p>
-                  </a:txBody>
-                  <a:tcPr anchor="ctr">
-                    <a:lnR w="12700" cap="flat" cmpd="sng" algn="ctr">
-                      <a:solidFill>
-                        <a:schemeClr val="tx1"/>
-                      </a:solidFill>
-                      <a:prstDash val="solid"/>
-                      <a:round/>
-                      <a:headEnd type="none" w="med" len="med"/>
-                      <a:tailEnd type="none" w="med" len="med"/>
-                    </a:lnR>
-                    <a:lnT w="12700" cap="flat" cmpd="sng" algn="ctr">
-                      <a:solidFill>
-                        <a:schemeClr val="bg1"/>
-                      </a:solidFill>
-                      <a:prstDash val="solid"/>
-                      <a:round/>
-                      <a:headEnd type="none" w="med" len="med"/>
-                      <a:tailEnd type="none" w="med" len="med"/>
-                    </a:lnT>
-                    <a:lnB w="12700" cap="flat" cmpd="sng" algn="ctr">
-                      <a:solidFill>
-                        <a:schemeClr val="bg1"/>
-                      </a:solidFill>
-                      <a:prstDash val="solid"/>
-                      <a:round/>
-                      <a:headEnd type="none" w="med" len="med"/>
-                      <a:tailEnd type="none" w="med" len="med"/>
-                    </a:lnB>
-                  </a:tcPr>
-                </a:tc>
-                <a:tc>
-                  <a:txBody>
-                    <a:bodyPr/>
-                    <a:lstStyle/>
-                    <a:p>
-                      <a:pPr algn="ctr"/>
-                      <a:r>
-                        <a:rPr lang="en-US" sz="1400" dirty="0">
-                          <a:solidFill>
-                            <a:schemeClr val="bg1"/>
-                          </a:solidFill>
-                        </a:rPr>
-                        <a:t>2.4</a:t>
-                      </a:r>
-                    </a:p>
-                  </a:txBody>
-                  <a:tcPr anchor="ctr">
-                    <a:lnL w="12700" cap="flat" cmpd="sng" algn="ctr">
-                      <a:solidFill>
-                        <a:schemeClr val="tx1"/>
-                      </a:solidFill>
-                      <a:prstDash val="solid"/>
-                      <a:round/>
-                      <a:headEnd type="none" w="med" len="med"/>
-                      <a:tailEnd type="none" w="med" len="med"/>
-                    </a:lnL>
-                    <a:lnR w="12700" cap="flat" cmpd="sng" algn="ctr">
-                      <a:solidFill>
-                        <a:schemeClr val="tx1"/>
-                      </a:solidFill>
-                      <a:prstDash val="solid"/>
-                      <a:round/>
-                      <a:headEnd type="none" w="med" len="med"/>
-                      <a:tailEnd type="none" w="med" len="med"/>
-                    </a:lnR>
-                    <a:lnT w="12700" cap="flat" cmpd="sng" algn="ctr">
-                      <a:solidFill>
-                        <a:schemeClr val="bg1"/>
-                      </a:solidFill>
-                      <a:prstDash val="solid"/>
-                      <a:round/>
-                      <a:headEnd type="none" w="med" len="med"/>
-                      <a:tailEnd type="none" w="med" len="med"/>
-                    </a:lnT>
-                    <a:lnB w="12700" cap="flat" cmpd="sng" algn="ctr">
-                      <a:solidFill>
-                        <a:schemeClr val="bg1"/>
-                      </a:solidFill>
-                      <a:prstDash val="solid"/>
-                      <a:round/>
-                      <a:headEnd type="none" w="med" len="med"/>
-                      <a:tailEnd type="none" w="med" len="med"/>
-                    </a:lnB>
-                  </a:tcPr>
-                </a:tc>
-                <a:tc>
-                  <a:txBody>
-                    <a:bodyPr/>
-                    <a:lstStyle/>
-                    <a:p>
-                      <a:pPr algn="ctr"/>
-                      <a:r>
-                        <a:rPr lang="en-US" sz="1400" dirty="0">
-                          <a:solidFill>
-                            <a:schemeClr val="bg1"/>
-                          </a:solidFill>
-                        </a:rPr>
-                        <a:t>4.4</a:t>
-                      </a:r>
-                    </a:p>
-                  </a:txBody>
-                  <a:tcPr anchor="ctr">
-                    <a:lnL w="12700" cap="flat" cmpd="sng" algn="ctr">
-                      <a:solidFill>
-                        <a:schemeClr val="tx1"/>
-                      </a:solidFill>
-                      <a:prstDash val="solid"/>
-                      <a:round/>
-                      <a:headEnd type="none" w="med" len="med"/>
-                      <a:tailEnd type="none" w="med" len="med"/>
-                    </a:lnL>
-                    <a:lnR w="12700" cap="flat" cmpd="sng" algn="ctr">
-                      <a:solidFill>
-                        <a:schemeClr val="tx1"/>
-                      </a:solidFill>
-                      <a:prstDash val="solid"/>
-                      <a:round/>
-                      <a:headEnd type="none" w="med" len="med"/>
-                      <a:tailEnd type="none" w="med" len="med"/>
-                    </a:lnR>
-                    <a:lnT w="12700" cap="flat" cmpd="sng" algn="ctr">
-                      <a:solidFill>
-                        <a:schemeClr val="bg1"/>
-                      </a:solidFill>
-                      <a:prstDash val="solid"/>
-                      <a:round/>
-                      <a:headEnd type="none" w="med" len="med"/>
-                      <a:tailEnd type="none" w="med" len="med"/>
-                    </a:lnT>
-                    <a:lnB w="12700" cap="flat" cmpd="sng" algn="ctr">
-                      <a:solidFill>
-                        <a:schemeClr val="bg1"/>
-                      </a:solidFill>
-                      <a:prstDash val="solid"/>
-                      <a:round/>
-                      <a:headEnd type="none" w="med" len="med"/>
-                      <a:tailEnd type="none" w="med" len="med"/>
-                    </a:lnB>
-                  </a:tcPr>
-                </a:tc>
-                <a:tc>
-                  <a:txBody>
-                    <a:bodyPr/>
-                    <a:lstStyle/>
-                    <a:p>
-                      <a:pPr algn="ctr"/>
-                      <a:r>
-                        <a:rPr lang="en-US" sz="1400" dirty="0">
-                          <a:solidFill>
-                            <a:schemeClr val="bg1"/>
-                          </a:solidFill>
-                        </a:rPr>
-                        <a:t>1.8</a:t>
-                      </a:r>
-                    </a:p>
-                  </a:txBody>
-                  <a:tcPr anchor="ctr">
-                    <a:lnL w="12700" cap="flat" cmpd="sng" algn="ctr">
-                      <a:solidFill>
-                        <a:schemeClr val="tx1"/>
-                      </a:solidFill>
-                      <a:prstDash val="solid"/>
-                      <a:round/>
-                      <a:headEnd type="none" w="med" len="med"/>
-                      <a:tailEnd type="none" w="med" len="med"/>
-                    </a:lnL>
-                    <a:lnR w="12700" cap="flat" cmpd="sng" algn="ctr">
-                      <a:solidFill>
-                        <a:schemeClr val="tx1"/>
-                      </a:solidFill>
-                      <a:prstDash val="solid"/>
-                      <a:round/>
-                      <a:headEnd type="none" w="med" len="med"/>
-                      <a:tailEnd type="none" w="med" len="med"/>
-                    </a:lnR>
-                    <a:lnT w="12700" cap="flat" cmpd="sng" algn="ctr">
-                      <a:solidFill>
-                        <a:schemeClr val="bg1"/>
-                      </a:solidFill>
-                      <a:prstDash val="solid"/>
-                      <a:round/>
-                      <a:headEnd type="none" w="med" len="med"/>
-                      <a:tailEnd type="none" w="med" len="med"/>
-                    </a:lnT>
-                    <a:lnB w="12700" cap="flat" cmpd="sng" algn="ctr">
-                      <a:solidFill>
-                        <a:schemeClr val="bg1"/>
-                      </a:solidFill>
-                      <a:prstDash val="solid"/>
-                      <a:round/>
-                      <a:headEnd type="none" w="med" len="med"/>
-                      <a:tailEnd type="none" w="med" len="med"/>
-                    </a:lnB>
-                  </a:tcPr>
-                </a:tc>
-                <a:tc>
-                  <a:txBody>
-                    <a:bodyPr/>
-                    <a:lstStyle/>
-                    <a:p>
-                      <a:pPr algn="ctr"/>
-                      <a:r>
-                        <a:rPr lang="en-US" sz="1400" dirty="0">
-                          <a:solidFill>
-                            <a:schemeClr val="bg1"/>
-                          </a:solidFill>
-                        </a:rPr>
-                        <a:t>2.8</a:t>
-                      </a:r>
-                    </a:p>
-                  </a:txBody>
-                  <a:tcPr anchor="ctr">
-                    <a:lnL w="12700" cap="flat" cmpd="sng" algn="ctr">
-                      <a:solidFill>
-                        <a:schemeClr val="tx1"/>
-                      </a:solidFill>
-                      <a:prstDash val="solid"/>
-                      <a:round/>
-                      <a:headEnd type="none" w="med" len="med"/>
-                      <a:tailEnd type="none" w="med" len="med"/>
-                    </a:lnL>
-                    <a:lnR w="12700" cap="flat" cmpd="sng" algn="ctr">
-                      <a:solidFill>
-                        <a:schemeClr val="tx1"/>
-                      </a:solidFill>
-                      <a:prstDash val="solid"/>
-                      <a:round/>
-                      <a:headEnd type="none" w="med" len="med"/>
-                      <a:tailEnd type="none" w="med" len="med"/>
-                    </a:lnR>
-                    <a:lnT w="12700" cap="flat" cmpd="sng" algn="ctr">
-                      <a:solidFill>
-                        <a:schemeClr val="bg1"/>
-                      </a:solidFill>
-                      <a:prstDash val="solid"/>
-                      <a:round/>
-                      <a:headEnd type="none" w="med" len="med"/>
-                      <a:tailEnd type="none" w="med" len="med"/>
-                    </a:lnT>
-                    <a:lnB w="12700" cap="flat" cmpd="sng" algn="ctr">
-                      <a:solidFill>
-                        <a:schemeClr val="bg1"/>
-                      </a:solidFill>
-                      <a:prstDash val="solid"/>
-                      <a:round/>
-                      <a:headEnd type="none" w="med" len="med"/>
-                      <a:tailEnd type="none" w="med" len="med"/>
-                    </a:lnB>
-                  </a:tcPr>
-                </a:tc>
-                <a:extLst>
-                  <a:ext uri="{0D108BD9-81ED-4DB2-BD59-A6C34878D82A}">
-                    <a16:rowId xmlns:a16="http://schemas.microsoft.com/office/drawing/2014/main" val="2800508379"/>
-                  </a:ext>
-                </a:extLst>
-              </a:tr>
-              <a:tr h="557784">
-                <a:tc>
-                  <a:txBody>
-                    <a:bodyPr/>
-                    <a:lstStyle/>
-                    <a:p>
-                      <a:pPr algn="ctr"/>
-                      <a:r>
-                        <a:rPr lang="en-US" sz="1400" b="1" dirty="0">
-                          <a:solidFill>
-                            <a:schemeClr val="bg1"/>
-                          </a:solidFill>
-                        </a:rPr>
-                        <a:t>Series 3</a:t>
-                      </a:r>
-                    </a:p>
-                  </a:txBody>
-                  <a:tcPr anchor="ctr">
-                    <a:lnR w="12700" cap="flat" cmpd="sng" algn="ctr">
-                      <a:solidFill>
-                        <a:schemeClr val="tx1"/>
-                      </a:solidFill>
-                      <a:prstDash val="solid"/>
-                      <a:round/>
-                      <a:headEnd type="none" w="med" len="med"/>
-                      <a:tailEnd type="none" w="med" len="med"/>
-                    </a:lnR>
-                    <a:lnT w="12700" cap="flat" cmpd="sng" algn="ctr">
-                      <a:solidFill>
-                        <a:schemeClr val="bg1"/>
-                      </a:solidFill>
-                      <a:prstDash val="solid"/>
-                      <a:round/>
-                      <a:headEnd type="none" w="med" len="med"/>
-                      <a:tailEnd type="none" w="med" len="med"/>
-                    </a:lnT>
-                  </a:tcPr>
-                </a:tc>
-                <a:tc>
-                  <a:txBody>
-                    <a:bodyPr/>
-                    <a:lstStyle/>
-                    <a:p>
-                      <a:pPr algn="ctr"/>
-                      <a:r>
-                        <a:rPr lang="en-US" sz="1400" dirty="0">
-                          <a:solidFill>
-                            <a:schemeClr val="bg1"/>
-                          </a:solidFill>
-                        </a:rPr>
-                        <a:t>2</a:t>
-                      </a:r>
-                    </a:p>
-                  </a:txBody>
-                  <a:tcPr anchor="ctr">
-                    <a:lnL w="12700" cap="flat" cmpd="sng" algn="ctr">
-                      <a:solidFill>
-                        <a:schemeClr val="tx1"/>
-                      </a:solidFill>
-                      <a:prstDash val="solid"/>
-                      <a:round/>
-                      <a:headEnd type="none" w="med" len="med"/>
-                      <a:tailEnd type="none" w="med" len="med"/>
-                    </a:lnL>
-                    <a:lnR w="12700" cap="flat" cmpd="sng" algn="ctr">
-                      <a:solidFill>
-                        <a:schemeClr val="tx1"/>
-                      </a:solidFill>
-                      <a:prstDash val="solid"/>
-                      <a:round/>
-                      <a:headEnd type="none" w="med" len="med"/>
-                      <a:tailEnd type="none" w="med" len="med"/>
-                    </a:lnR>
-                    <a:lnT w="12700" cap="flat" cmpd="sng" algn="ctr">
-                      <a:solidFill>
-                        <a:schemeClr val="bg1"/>
-                      </a:solidFill>
-                      <a:prstDash val="solid"/>
-                      <a:round/>
-                      <a:headEnd type="none" w="med" len="med"/>
-                      <a:tailEnd type="none" w="med" len="med"/>
-                    </a:lnT>
-                  </a:tcPr>
-                </a:tc>
-                <a:tc>
-                  <a:txBody>
-                    <a:bodyPr/>
-                    <a:lstStyle/>
-                    <a:p>
-                      <a:pPr algn="ctr"/>
-                      <a:r>
-                        <a:rPr lang="en-US" sz="1400" dirty="0">
-                          <a:solidFill>
-                            <a:schemeClr val="bg1"/>
-                          </a:solidFill>
-                        </a:rPr>
-                        <a:t>2</a:t>
-                      </a:r>
-                    </a:p>
-                  </a:txBody>
-                  <a:tcPr anchor="ctr">
-                    <a:lnL w="12700" cap="flat" cmpd="sng" algn="ctr">
-                      <a:solidFill>
-                        <a:schemeClr val="tx1"/>
-                      </a:solidFill>
-                      <a:prstDash val="solid"/>
-                      <a:round/>
-                      <a:headEnd type="none" w="med" len="med"/>
-                      <a:tailEnd type="none" w="med" len="med"/>
-                    </a:lnL>
-                    <a:lnR w="12700" cap="flat" cmpd="sng" algn="ctr">
-                      <a:solidFill>
-                        <a:schemeClr val="tx1"/>
-                      </a:solidFill>
-                      <a:prstDash val="solid"/>
-                      <a:round/>
-                      <a:headEnd type="none" w="med" len="med"/>
-                      <a:tailEnd type="none" w="med" len="med"/>
-                    </a:lnR>
-                    <a:lnT w="12700" cap="flat" cmpd="sng" algn="ctr">
-                      <a:solidFill>
-                        <a:schemeClr val="bg1"/>
-                      </a:solidFill>
-                      <a:prstDash val="solid"/>
-                      <a:round/>
-                      <a:headEnd type="none" w="med" len="med"/>
-                      <a:tailEnd type="none" w="med" len="med"/>
-                    </a:lnT>
-                  </a:tcPr>
-                </a:tc>
-                <a:tc>
-                  <a:txBody>
-                    <a:bodyPr/>
-                    <a:lstStyle/>
-                    <a:p>
-                      <a:pPr algn="ctr"/>
-                      <a:r>
-                        <a:rPr lang="en-US" sz="1400" dirty="0">
-                          <a:solidFill>
-                            <a:schemeClr val="bg1"/>
-                          </a:solidFill>
-                        </a:rPr>
-                        <a:t>3</a:t>
-                      </a:r>
-                    </a:p>
-                  </a:txBody>
-                  <a:tcPr anchor="ctr">
-                    <a:lnL w="12700" cap="flat" cmpd="sng" algn="ctr">
-                      <a:solidFill>
-                        <a:schemeClr val="tx1"/>
-                      </a:solidFill>
-                      <a:prstDash val="solid"/>
-                      <a:round/>
-                      <a:headEnd type="none" w="med" len="med"/>
-                      <a:tailEnd type="none" w="med" len="med"/>
-                    </a:lnL>
-                    <a:lnR w="12700" cap="flat" cmpd="sng" algn="ctr">
-                      <a:solidFill>
-                        <a:schemeClr val="tx1"/>
-                      </a:solidFill>
-                      <a:prstDash val="solid"/>
-                      <a:round/>
-                      <a:headEnd type="none" w="med" len="med"/>
-                      <a:tailEnd type="none" w="med" len="med"/>
-                    </a:lnR>
-                    <a:lnT w="12700" cap="flat" cmpd="sng" algn="ctr">
-                      <a:solidFill>
-                        <a:schemeClr val="bg1"/>
-                      </a:solidFill>
-                      <a:prstDash val="solid"/>
-                      <a:round/>
-                      <a:headEnd type="none" w="med" len="med"/>
-                      <a:tailEnd type="none" w="med" len="med"/>
-                    </a:lnT>
-                  </a:tcPr>
-                </a:tc>
-                <a:tc>
-                  <a:txBody>
-                    <a:bodyPr/>
-                    <a:lstStyle/>
-                    <a:p>
-                      <a:pPr algn="ctr"/>
-                      <a:r>
-                        <a:rPr lang="en-US" sz="1400" dirty="0">
-                          <a:solidFill>
-                            <a:schemeClr val="bg1"/>
-                          </a:solidFill>
-                        </a:rPr>
-                        <a:t>5</a:t>
-                      </a:r>
-                    </a:p>
-                  </a:txBody>
-                  <a:tcPr anchor="ctr">
-                    <a:lnL w="12700" cap="flat" cmpd="sng" algn="ctr">
-                      <a:solidFill>
-                        <a:schemeClr val="tx1"/>
-                      </a:solidFill>
-                      <a:prstDash val="solid"/>
-                      <a:round/>
-                      <a:headEnd type="none" w="med" len="med"/>
-                      <a:tailEnd type="none" w="med" len="med"/>
-                    </a:lnL>
-                    <a:lnR w="12700" cap="flat" cmpd="sng" algn="ctr">
-                      <a:solidFill>
-                        <a:schemeClr val="tx1"/>
-                      </a:solidFill>
-                      <a:prstDash val="solid"/>
-                      <a:round/>
-                      <a:headEnd type="none" w="med" len="med"/>
-                      <a:tailEnd type="none" w="med" len="med"/>
-                    </a:lnR>
-                    <a:lnT w="12700" cap="flat" cmpd="sng" algn="ctr">
-                      <a:solidFill>
-                        <a:schemeClr val="bg1"/>
-                      </a:solidFill>
-                      <a:prstDash val="solid"/>
-                      <a:round/>
-                      <a:headEnd type="none" w="med" len="med"/>
-                      <a:tailEnd type="none" w="med" len="med"/>
-                    </a:lnT>
-                  </a:tcPr>
-                </a:tc>
-                <a:extLst>
-                  <a:ext uri="{0D108BD9-81ED-4DB2-BD59-A6C34878D82A}">
-                    <a16:rowId xmlns:a16="http://schemas.microsoft.com/office/drawing/2014/main" val="2456788438"/>
-                  </a:ext>
-                </a:extLst>
-              </a:tr>
-            </a:tbl>
-          </a:graphicData>
-        </a:graphic>
-      </p:graphicFrame>
-      <p:sp>
-        <p:nvSpPr>
-          <p:cNvPr id="7" name="Content Placeholder 6">
-            <a:extLst>
-              <a:ext uri="{FF2B5EF4-FFF2-40B4-BE49-F238E27FC236}">
-                <a16:creationId xmlns:a16="http://schemas.microsoft.com/office/drawing/2014/main" id="{6124FA48-61F5-9B3F-D0C2-F6D4EE37D539}"/>
-              </a:ext>
-            </a:extLst>
-          </p:cNvPr>
-          <p:cNvSpPr>
-            <a:spLocks noGrp="1"/>
-          </p:cNvSpPr>
-          <p:nvPr>
-            <p:ph sz="half" idx="11"/>
-          </p:nvPr>
-        </p:nvSpPr>
-        <p:spPr/>
-        <p:txBody>
-          <a:bodyPr/>
-          <a:lstStyle/>
-          <a:p>
-            <a:endParaRPr lang="en-US"/>
-          </a:p>
-        </p:txBody>
-      </p:sp>
-      <p:sp>
-        <p:nvSpPr>
-          <p:cNvPr id="8" name="Content Placeholder 7">
-            <a:extLst>
-              <a:ext uri="{FF2B5EF4-FFF2-40B4-BE49-F238E27FC236}">
-                <a16:creationId xmlns:a16="http://schemas.microsoft.com/office/drawing/2014/main" id="{BC4894D4-8092-A7C6-3473-3F6D70C0DCF4}"/>
-              </a:ext>
-            </a:extLst>
-          </p:cNvPr>
-          <p:cNvSpPr>
-            <a:spLocks noGrp="1"/>
-          </p:cNvSpPr>
-          <p:nvPr>
-            <p:ph sz="half" idx="13"/>
-          </p:nvPr>
-        </p:nvSpPr>
-        <p:spPr/>
-        <p:txBody>
-          <a:bodyPr/>
-          <a:lstStyle/>
-          <a:p>
-            <a:endParaRPr lang="en-US"/>
-          </a:p>
-        </p:txBody>
-      </p:sp>
-      <p:sp>
-        <p:nvSpPr>
-          <p:cNvPr id="4" name="Title 3">
-            <a:extLst>
-              <a:ext uri="{FF2B5EF4-FFF2-40B4-BE49-F238E27FC236}">
-                <a16:creationId xmlns:a16="http://schemas.microsoft.com/office/drawing/2014/main" id="{BC9BB335-2462-3D47-A2A8-85BA2D85C19B}"/>
+      <p:sp>
+        <p:nvSpPr>
+          <p:cNvPr id="3" name="Title 2">
+            <a:extLst>
+              <a:ext uri="{FF2B5EF4-FFF2-40B4-BE49-F238E27FC236}">
+                <a16:creationId xmlns:a16="http://schemas.microsoft.com/office/drawing/2014/main" id="{4B4391A8-86CF-7246-9C31-CC6670044FDA}"/>
               </a:ext>
             </a:extLst>
           </p:cNvPr>
@@ -15693,90 +13426,20 @@
             <p:ph type="title"/>
           </p:nvPr>
         </p:nvSpPr>
-        <p:spPr/>
+        <p:spPr>
+          <a:xfrm>
+            <a:off x="1001261" y="802516"/>
+            <a:ext cx="7810500" cy="645284"/>
+          </a:xfrm>
+        </p:spPr>
         <p:txBody>
           <a:bodyPr/>
           <a:lstStyle/>
           <a:p>
             <a:r>
               <a:rPr lang="en-US" dirty="0"/>
-              <a:t>Growth by sector table</a:t>
-            </a:r>
-          </a:p>
-        </p:txBody>
-      </p:sp>
-      <p:sp>
-        <p:nvSpPr>
-          <p:cNvPr id="9" name="Text Placeholder 8">
-            <a:extLst>
-              <a:ext uri="{FF2B5EF4-FFF2-40B4-BE49-F238E27FC236}">
-                <a16:creationId xmlns:a16="http://schemas.microsoft.com/office/drawing/2014/main" id="{6B3CA28F-2F6B-B2C4-6F5D-B52185ED1BC3}"/>
-              </a:ext>
-            </a:extLst>
-          </p:cNvPr>
-          <p:cNvSpPr>
-            <a:spLocks noGrp="1"/>
-          </p:cNvSpPr>
-          <p:nvPr>
-            <p:ph type="body" sz="quarter" idx="17"/>
-          </p:nvPr>
-        </p:nvSpPr>
-        <p:spPr/>
-        <p:txBody>
-          <a:bodyPr/>
-          <a:lstStyle/>
-          <a:p>
-            <a:endParaRPr lang="en-US"/>
-          </a:p>
-        </p:txBody>
-      </p:sp>
-      <p:sp>
-        <p:nvSpPr>
-          <p:cNvPr id="11" name="Text Placeholder 10">
-            <a:extLst>
-              <a:ext uri="{FF2B5EF4-FFF2-40B4-BE49-F238E27FC236}">
-                <a16:creationId xmlns:a16="http://schemas.microsoft.com/office/drawing/2014/main" id="{1107BC16-F2E9-B497-92F0-071994E96B45}"/>
-              </a:ext>
-            </a:extLst>
-          </p:cNvPr>
-          <p:cNvSpPr>
-            <a:spLocks noGrp="1"/>
-          </p:cNvSpPr>
-          <p:nvPr>
-            <p:ph type="body" sz="quarter" idx="18"/>
-          </p:nvPr>
-        </p:nvSpPr>
-        <p:spPr/>
-        <p:txBody>
-          <a:bodyPr/>
-          <a:lstStyle/>
-          <a:p>
-            <a:endParaRPr lang="en-US"/>
-          </a:p>
-        </p:txBody>
-      </p:sp>
-      <p:sp>
-        <p:nvSpPr>
-          <p:cNvPr id="12" name="Text Placeholder 11">
-            <a:extLst>
-              <a:ext uri="{FF2B5EF4-FFF2-40B4-BE49-F238E27FC236}">
-                <a16:creationId xmlns:a16="http://schemas.microsoft.com/office/drawing/2014/main" id="{5F0A6CC1-1872-E628-DF2F-3D36EA7FF277}"/>
-              </a:ext>
-            </a:extLst>
-          </p:cNvPr>
-          <p:cNvSpPr>
-            <a:spLocks noGrp="1"/>
-          </p:cNvSpPr>
-          <p:nvPr>
-            <p:ph type="body" sz="quarter" idx="19"/>
-          </p:nvPr>
-        </p:nvSpPr>
-        <p:spPr/>
-        <p:txBody>
-          <a:bodyPr/>
-          <a:lstStyle/>
-          <a:p>
-            <a:endParaRPr lang="en-US"/>
+              <a:t>Growth by sector chart</a:t>
+            </a:r>
           </a:p>
         </p:txBody>
       </p:sp>
@@ -15785,15 +13448,15 @@
           <p:cNvPr id="2" name="Date Placeholder 1">
             <a:extLst>
               <a:ext uri="{FF2B5EF4-FFF2-40B4-BE49-F238E27FC236}">
-                <a16:creationId xmlns:a16="http://schemas.microsoft.com/office/drawing/2014/main" id="{EB7C1C1C-2E16-451A-BC65-4BE897152D13}"/>
-              </a:ext>
-            </a:extLst>
-          </p:cNvPr>
-          <p:cNvSpPr>
-            <a:spLocks noGrp="1"/>
-          </p:cNvSpPr>
-          <p:nvPr>
-            <p:ph type="dt" sz="half" idx="20"/>
+                <a16:creationId xmlns:a16="http://schemas.microsoft.com/office/drawing/2014/main" id="{37D75E85-59EF-445E-8928-63AC7377D2C2}"/>
+              </a:ext>
+            </a:extLst>
+          </p:cNvPr>
+          <p:cNvSpPr>
+            <a:spLocks noGrp="1"/>
+          </p:cNvSpPr>
+          <p:nvPr>
+            <p:ph type="dt" sz="half" idx="12"/>
           </p:nvPr>
         </p:nvSpPr>
         <p:spPr/>
@@ -15811,18 +13474,18 @@
       </p:sp>
       <p:sp>
         <p:nvSpPr>
-          <p:cNvPr id="3" name="Footer Placeholder 2">
-            <a:extLst>
-              <a:ext uri="{FF2B5EF4-FFF2-40B4-BE49-F238E27FC236}">
-                <a16:creationId xmlns:a16="http://schemas.microsoft.com/office/drawing/2014/main" id="{B41A22DE-90F3-4C5C-921E-00BF1BD68B9B}"/>
-              </a:ext>
-            </a:extLst>
-          </p:cNvPr>
-          <p:cNvSpPr>
-            <a:spLocks noGrp="1"/>
-          </p:cNvSpPr>
-          <p:nvPr>
-            <p:ph type="ftr" sz="quarter" idx="21"/>
+          <p:cNvPr id="5" name="Footer Placeholder 4">
+            <a:extLst>
+              <a:ext uri="{FF2B5EF4-FFF2-40B4-BE49-F238E27FC236}">
+                <a16:creationId xmlns:a16="http://schemas.microsoft.com/office/drawing/2014/main" id="{B26F5772-47E8-412F-A4E9-2F4CECCBF51E}"/>
+              </a:ext>
+            </a:extLst>
+          </p:cNvPr>
+          <p:cNvSpPr>
+            <a:spLocks noGrp="1"/>
+          </p:cNvSpPr>
+          <p:nvPr>
+            <p:ph type="ftr" sz="quarter" idx="13"/>
           </p:nvPr>
         </p:nvSpPr>
         <p:spPr/>
@@ -15848,18 +13511,18 @@
       </p:sp>
       <p:sp>
         <p:nvSpPr>
-          <p:cNvPr id="5" name="Slide Number Placeholder 4">
-            <a:extLst>
-              <a:ext uri="{FF2B5EF4-FFF2-40B4-BE49-F238E27FC236}">
-                <a16:creationId xmlns:a16="http://schemas.microsoft.com/office/drawing/2014/main" id="{031A4ADA-7998-4A9D-939E-3A1B16A0F2F1}"/>
-              </a:ext>
-            </a:extLst>
-          </p:cNvPr>
-          <p:cNvSpPr>
-            <a:spLocks noGrp="1"/>
-          </p:cNvSpPr>
-          <p:nvPr>
-            <p:ph type="sldNum" sz="quarter" idx="22"/>
+          <p:cNvPr id="6" name="Slide Number Placeholder 5">
+            <a:extLst>
+              <a:ext uri="{FF2B5EF4-FFF2-40B4-BE49-F238E27FC236}">
+                <a16:creationId xmlns:a16="http://schemas.microsoft.com/office/drawing/2014/main" id="{5D82835A-A332-4647-B267-D78B14BFA4A8}"/>
+              </a:ext>
+            </a:extLst>
+          </p:cNvPr>
+          <p:cNvSpPr>
+            <a:spLocks noGrp="1"/>
+          </p:cNvSpPr>
+          <p:nvPr>
+            <p:ph type="sldNum" sz="quarter" idx="14"/>
           </p:nvPr>
         </p:nvSpPr>
         <p:spPr/>
@@ -15876,10 +13539,40 @@
           </a:p>
         </p:txBody>
       </p:sp>
+      <p:pic>
+        <p:nvPicPr>
+          <p:cNvPr id="10" name="Picture 9">
+            <a:extLst>
+              <a:ext uri="{FF2B5EF4-FFF2-40B4-BE49-F238E27FC236}">
+                <a16:creationId xmlns:a16="http://schemas.microsoft.com/office/drawing/2014/main" id="{434FECB3-8E93-4DFD-FE90-1D64827B60F6}"/>
+              </a:ext>
+            </a:extLst>
+          </p:cNvPr>
+          <p:cNvPicPr>
+            <a:picLocks noChangeAspect="1"/>
+          </p:cNvPicPr>
+          <p:nvPr/>
+        </p:nvPicPr>
+        <p:blipFill>
+          <a:blip r:embed="rId2"/>
+          <a:stretch>
+            <a:fillRect/>
+          </a:stretch>
+        </p:blipFill>
+        <p:spPr>
+          <a:xfrm>
+            <a:off x="2187394" y="2062291"/>
+            <a:ext cx="7487548" cy="4328217"/>
+          </a:xfrm>
+          <a:prstGeom prst="rect">
+            <a:avLst/>
+          </a:prstGeom>
+        </p:spPr>
+      </p:pic>
     </p:spTree>
     <p:extLst>
       <p:ext uri="{BB962C8B-B14F-4D97-AF65-F5344CB8AC3E}">
-        <p14:creationId xmlns:p14="http://schemas.microsoft.com/office/powerpoint/2010/main" val="3622761875"/>
+        <p14:creationId xmlns:p14="http://schemas.microsoft.com/office/powerpoint/2010/main" val="2351439976"/>
       </p:ext>
     </p:extLst>
   </p:cSld>
@@ -15908,62 +13601,6 @@
       </p:grpSpPr>
       <p:sp>
         <p:nvSpPr>
-          <p:cNvPr id="2" name="Text Placeholder 1">
-            <a:extLst>
-              <a:ext uri="{FF2B5EF4-FFF2-40B4-BE49-F238E27FC236}">
-                <a16:creationId xmlns:a16="http://schemas.microsoft.com/office/drawing/2014/main" id="{EDC35020-811A-6347-8ACA-87D6CC930F63}"/>
-              </a:ext>
-            </a:extLst>
-          </p:cNvPr>
-          <p:cNvSpPr>
-            <a:spLocks noGrp="1"/>
-          </p:cNvSpPr>
-          <p:nvPr>
-            <p:ph type="body" sz="quarter" idx="10"/>
-          </p:nvPr>
-        </p:nvSpPr>
-        <p:spPr/>
-        <p:txBody>
-          <a:bodyPr/>
-          <a:lstStyle/>
-          <a:p>
-            <a:r>
-              <a:rPr lang="en-US" dirty="0"/>
-              <a:t>Contoso was great to work with. Patrice was my representative and she anticipated my needs and worked diligently to fix my issue.</a:t>
-            </a:r>
-          </a:p>
-        </p:txBody>
-      </p:sp>
-      <p:sp>
-        <p:nvSpPr>
-          <p:cNvPr id="7" name="Title 6">
-            <a:extLst>
-              <a:ext uri="{FF2B5EF4-FFF2-40B4-BE49-F238E27FC236}">
-                <a16:creationId xmlns:a16="http://schemas.microsoft.com/office/drawing/2014/main" id="{A3DC4DCC-46DD-4ED5-93DF-7D5D252BFF95}"/>
-              </a:ext>
-            </a:extLst>
-          </p:cNvPr>
-          <p:cNvSpPr>
-            <a:spLocks noGrp="1"/>
-          </p:cNvSpPr>
-          <p:nvPr>
-            <p:ph type="title"/>
-          </p:nvPr>
-        </p:nvSpPr>
-        <p:spPr/>
-        <p:txBody>
-          <a:bodyPr/>
-          <a:lstStyle/>
-          <a:p>
-            <a:r>
-              <a:rPr lang="en-US" dirty="0"/>
-              <a:t>“</a:t>
-            </a:r>
-          </a:p>
-        </p:txBody>
-      </p:sp>
-      <p:sp>
-        <p:nvSpPr>
           <p:cNvPr id="3" name="Date Placeholder 2">
             <a:extLst>
               <a:ext uri="{FF2B5EF4-FFF2-40B4-BE49-F238E27FC236}">
@@ -16058,6 +13695,36 @@
           </a:p>
         </p:txBody>
       </p:sp>
+      <p:pic>
+        <p:nvPicPr>
+          <p:cNvPr id="8" name="Picture 7">
+            <a:extLst>
+              <a:ext uri="{FF2B5EF4-FFF2-40B4-BE49-F238E27FC236}">
+                <a16:creationId xmlns:a16="http://schemas.microsoft.com/office/drawing/2014/main" id="{943DD1F0-4D11-6E8B-CD93-0D98FDCA278A}"/>
+              </a:ext>
+            </a:extLst>
+          </p:cNvPr>
+          <p:cNvPicPr>
+            <a:picLocks noChangeAspect="1"/>
+          </p:cNvPicPr>
+          <p:nvPr/>
+        </p:nvPicPr>
+        <p:blipFill>
+          <a:blip r:embed="rId2"/>
+          <a:stretch>
+            <a:fillRect/>
+          </a:stretch>
+        </p:blipFill>
+        <p:spPr>
+          <a:xfrm>
+            <a:off x="1195801" y="1337269"/>
+            <a:ext cx="9072205" cy="5077251"/>
+          </a:xfrm>
+          <a:prstGeom prst="rect">
+            <a:avLst/>
+          </a:prstGeom>
+        </p:spPr>
+      </p:pic>
     </p:spTree>
     <p:extLst>
       <p:ext uri="{BB962C8B-B14F-4D97-AF65-F5344CB8AC3E}">
@@ -16076,7 +13743,13 @@
   <p:cSld>
     <p:spTree>
       <p:nvGrpSpPr>
-        <p:cNvPr id="1" name=""/>
+        <p:cNvPr id="1" name="">
+          <a:extLst>
+            <a:ext uri="{FF2B5EF4-FFF2-40B4-BE49-F238E27FC236}">
+              <a16:creationId xmlns:a16="http://schemas.microsoft.com/office/drawing/2014/main" id="{3BF3988B-CDF0-FC83-DFA7-9818440F14E9}"/>
+            </a:ext>
+          </a:extLst>
+        </p:cNvPr>
         <p:cNvGrpSpPr/>
         <p:nvPr/>
       </p:nvGrpSpPr>
@@ -16090,360 +13763,10 @@
       </p:grpSpPr>
       <p:sp>
         <p:nvSpPr>
-          <p:cNvPr id="14" name="Text Placeholder 13">
-            <a:extLst>
-              <a:ext uri="{FF2B5EF4-FFF2-40B4-BE49-F238E27FC236}">
-                <a16:creationId xmlns:a16="http://schemas.microsoft.com/office/drawing/2014/main" id="{F3C7C96A-221C-AE40-93BD-DEE8EB1C21D2}"/>
-              </a:ext>
-            </a:extLst>
-          </p:cNvPr>
-          <p:cNvSpPr>
-            <a:spLocks noGrp="1"/>
-          </p:cNvSpPr>
-          <p:nvPr>
-            <p:ph type="body" sz="quarter" idx="10"/>
-          </p:nvPr>
-        </p:nvSpPr>
-        <p:spPr/>
-        <p:txBody>
-          <a:bodyPr/>
-          <a:lstStyle/>
-          <a:p>
-            <a:r>
-              <a:rPr lang="en-US" dirty="0"/>
-              <a:t>Ana</a:t>
-            </a:r>
-          </a:p>
-        </p:txBody>
-      </p:sp>
-      <p:sp>
-        <p:nvSpPr>
-          <p:cNvPr id="16" name="Text Placeholder 15">
-            <a:extLst>
-              <a:ext uri="{FF2B5EF4-FFF2-40B4-BE49-F238E27FC236}">
-                <a16:creationId xmlns:a16="http://schemas.microsoft.com/office/drawing/2014/main" id="{5FE4141C-4F28-4746-A886-2B483F55A71B}"/>
-              </a:ext>
-            </a:extLst>
-          </p:cNvPr>
-          <p:cNvSpPr>
-            <a:spLocks noGrp="1"/>
-          </p:cNvSpPr>
-          <p:nvPr>
-            <p:ph type="body" sz="quarter" idx="11"/>
-          </p:nvPr>
-        </p:nvSpPr>
-        <p:spPr/>
-        <p:txBody>
-          <a:bodyPr/>
-          <a:lstStyle/>
-          <a:p>
-            <a:r>
-              <a:rPr lang="en-US" dirty="0"/>
-              <a:t>CEO</a:t>
-            </a:r>
-          </a:p>
-        </p:txBody>
-      </p:sp>
-      <p:sp>
-        <p:nvSpPr>
-          <p:cNvPr id="5" name="Text Placeholder 4">
-            <a:extLst>
-              <a:ext uri="{FF2B5EF4-FFF2-40B4-BE49-F238E27FC236}">
-                <a16:creationId xmlns:a16="http://schemas.microsoft.com/office/drawing/2014/main" id="{F33C0129-A6FD-0B47-9C25-74B63336F76E}"/>
-              </a:ext>
-            </a:extLst>
-          </p:cNvPr>
-          <p:cNvSpPr>
-            <a:spLocks noGrp="1"/>
-          </p:cNvSpPr>
-          <p:nvPr>
-            <p:ph type="body" sz="quarter" idx="12"/>
-          </p:nvPr>
-        </p:nvSpPr>
-        <p:spPr/>
-        <p:txBody>
-          <a:bodyPr/>
-          <a:lstStyle/>
-          <a:p>
-            <a:r>
-              <a:rPr lang="en-US" dirty="0"/>
-              <a:t>Larissa</a:t>
-            </a:r>
-          </a:p>
-        </p:txBody>
-      </p:sp>
-      <p:sp>
-        <p:nvSpPr>
-          <p:cNvPr id="6" name="Text Placeholder 5">
-            <a:extLst>
-              <a:ext uri="{FF2B5EF4-FFF2-40B4-BE49-F238E27FC236}">
-                <a16:creationId xmlns:a16="http://schemas.microsoft.com/office/drawing/2014/main" id="{519DFF59-D000-6C48-B03D-6D023F1632A8}"/>
-              </a:ext>
-            </a:extLst>
-          </p:cNvPr>
-          <p:cNvSpPr>
-            <a:spLocks noGrp="1"/>
-          </p:cNvSpPr>
-          <p:nvPr>
-            <p:ph type="body" sz="quarter" idx="13"/>
-          </p:nvPr>
-        </p:nvSpPr>
-        <p:spPr/>
-        <p:txBody>
-          <a:bodyPr/>
-          <a:lstStyle/>
-          <a:p>
-            <a:r>
-              <a:rPr lang="en-US" dirty="0"/>
-              <a:t>CFO</a:t>
-            </a:r>
-          </a:p>
-        </p:txBody>
-      </p:sp>
-      <p:sp>
-        <p:nvSpPr>
-          <p:cNvPr id="7" name="Text Placeholder 6">
-            <a:extLst>
-              <a:ext uri="{FF2B5EF4-FFF2-40B4-BE49-F238E27FC236}">
-                <a16:creationId xmlns:a16="http://schemas.microsoft.com/office/drawing/2014/main" id="{2BF7C473-B533-F247-A897-1EBD503D856A}"/>
-              </a:ext>
-            </a:extLst>
-          </p:cNvPr>
-          <p:cNvSpPr>
-            <a:spLocks noGrp="1"/>
-          </p:cNvSpPr>
-          <p:nvPr>
-            <p:ph type="body" sz="quarter" idx="14"/>
-          </p:nvPr>
-        </p:nvSpPr>
-        <p:spPr/>
-        <p:txBody>
-          <a:bodyPr/>
-          <a:lstStyle/>
-          <a:p>
-            <a:r>
-              <a:rPr lang="en-US" dirty="0"/>
-              <a:t>Roman</a:t>
-            </a:r>
-          </a:p>
-        </p:txBody>
-      </p:sp>
-      <p:sp>
-        <p:nvSpPr>
-          <p:cNvPr id="8" name="Text Placeholder 7">
-            <a:extLst>
-              <a:ext uri="{FF2B5EF4-FFF2-40B4-BE49-F238E27FC236}">
-                <a16:creationId xmlns:a16="http://schemas.microsoft.com/office/drawing/2014/main" id="{3B548B63-DB02-4046-9639-FE28DE30CBB4}"/>
-              </a:ext>
-            </a:extLst>
-          </p:cNvPr>
-          <p:cNvSpPr>
-            <a:spLocks noGrp="1"/>
-          </p:cNvSpPr>
-          <p:nvPr>
-            <p:ph type="body" sz="quarter" idx="15"/>
-          </p:nvPr>
-        </p:nvSpPr>
-        <p:spPr/>
-        <p:txBody>
-          <a:bodyPr/>
-          <a:lstStyle/>
-          <a:p>
-            <a:r>
-              <a:rPr lang="en-US" dirty="0"/>
-              <a:t>CTO</a:t>
-            </a:r>
-          </a:p>
-        </p:txBody>
-      </p:sp>
-      <p:sp>
-        <p:nvSpPr>
-          <p:cNvPr id="9" name="Text Placeholder 8">
-            <a:extLst>
-              <a:ext uri="{FF2B5EF4-FFF2-40B4-BE49-F238E27FC236}">
-                <a16:creationId xmlns:a16="http://schemas.microsoft.com/office/drawing/2014/main" id="{67B8AFFA-EDA9-784D-A704-94BB4AFB5E5D}"/>
-              </a:ext>
-            </a:extLst>
-          </p:cNvPr>
-          <p:cNvSpPr>
-            <a:spLocks noGrp="1"/>
-          </p:cNvSpPr>
-          <p:nvPr>
-            <p:ph type="body" sz="quarter" idx="16"/>
-          </p:nvPr>
-        </p:nvSpPr>
-        <p:spPr/>
-        <p:txBody>
-          <a:bodyPr/>
-          <a:lstStyle/>
-          <a:p>
-            <a:r>
-              <a:rPr lang="en-US" dirty="0"/>
-              <a:t>Federico</a:t>
-            </a:r>
-          </a:p>
-        </p:txBody>
-      </p:sp>
-      <p:sp>
-        <p:nvSpPr>
-          <p:cNvPr id="10" name="Text Placeholder 9">
-            <a:extLst>
-              <a:ext uri="{FF2B5EF4-FFF2-40B4-BE49-F238E27FC236}">
-                <a16:creationId xmlns:a16="http://schemas.microsoft.com/office/drawing/2014/main" id="{D6F61109-690A-F74B-A4AF-784DE1816E54}"/>
-              </a:ext>
-            </a:extLst>
-          </p:cNvPr>
-          <p:cNvSpPr>
-            <a:spLocks noGrp="1"/>
-          </p:cNvSpPr>
-          <p:nvPr>
-            <p:ph type="body" sz="quarter" idx="17"/>
-          </p:nvPr>
-        </p:nvSpPr>
-        <p:spPr/>
-        <p:txBody>
-          <a:bodyPr/>
-          <a:lstStyle/>
-          <a:p>
-            <a:r>
-              <a:rPr lang="en-US" dirty="0"/>
-              <a:t>COO</a:t>
-            </a:r>
-          </a:p>
-        </p:txBody>
-      </p:sp>
-      <p:pic>
-        <p:nvPicPr>
-          <p:cNvPr id="57" name="Picture Placeholder 56" descr="Portrait of a team member&#10;">
-            <a:extLst>
-              <a:ext uri="{FF2B5EF4-FFF2-40B4-BE49-F238E27FC236}">
-                <a16:creationId xmlns:a16="http://schemas.microsoft.com/office/drawing/2014/main" id="{F23F0BAD-B476-4660-9685-F7750B881614}"/>
-              </a:ext>
-            </a:extLst>
-          </p:cNvPr>
-          <p:cNvPicPr>
-            <a:picLocks noGrp="1" noChangeAspect="1"/>
-          </p:cNvPicPr>
-          <p:nvPr>
-            <p:ph type="pic" sz="quarter" idx="18"/>
-          </p:nvPr>
-        </p:nvPicPr>
-        <p:blipFill>
-          <a:blip r:embed="rId2">
-            <a:extLst>
-              <a:ext uri="{28A0092B-C50C-407E-A947-70E740481C1C}">
-                <a14:useLocalDpi xmlns:a14="http://schemas.microsoft.com/office/drawing/2010/main" val="0"/>
-              </a:ext>
-            </a:extLst>
-          </a:blip>
-          <a:srcRect l="87" r="87"/>
-          <a:stretch>
-            <a:fillRect/>
-          </a:stretch>
-        </p:blipFill>
-        <p:spPr/>
-      </p:pic>
-      <p:pic>
-        <p:nvPicPr>
-          <p:cNvPr id="22" name="Picture Placeholder 21" descr="Portrait of a team member&#10;">
-            <a:extLst>
-              <a:ext uri="{FF2B5EF4-FFF2-40B4-BE49-F238E27FC236}">
-                <a16:creationId xmlns:a16="http://schemas.microsoft.com/office/drawing/2014/main" id="{AB73BE7C-B722-5845-8136-4CB57B98DCDD}"/>
-              </a:ext>
-            </a:extLst>
-          </p:cNvPr>
-          <p:cNvPicPr>
-            <a:picLocks noGrp="1" noChangeAspect="1"/>
-          </p:cNvPicPr>
-          <p:nvPr>
-            <p:ph type="pic" sz="quarter" idx="19"/>
-          </p:nvPr>
-        </p:nvPicPr>
-        <p:blipFill>
-          <a:blip r:embed="rId3">
-            <a:grayscl/>
-            <a:extLst>
-              <a:ext uri="{28A0092B-C50C-407E-A947-70E740481C1C}">
-                <a14:useLocalDpi xmlns:a14="http://schemas.microsoft.com/office/drawing/2010/main" val="0"/>
-              </a:ext>
-            </a:extLst>
-          </a:blip>
-          <a:srcRect l="28" r="28"/>
-          <a:stretch>
-            <a:fillRect/>
-          </a:stretch>
-        </p:blipFill>
-        <p:spPr/>
-      </p:pic>
-      <p:pic>
-        <p:nvPicPr>
-          <p:cNvPr id="61" name="Picture Placeholder 60" descr="Portrait of a team member&#10;">
-            <a:extLst>
-              <a:ext uri="{FF2B5EF4-FFF2-40B4-BE49-F238E27FC236}">
-                <a16:creationId xmlns:a16="http://schemas.microsoft.com/office/drawing/2014/main" id="{6226F6DE-906E-4EBB-9268-D156A7441E46}"/>
-              </a:ext>
-            </a:extLst>
-          </p:cNvPr>
-          <p:cNvPicPr>
-            <a:picLocks noGrp="1" noChangeAspect="1"/>
-          </p:cNvPicPr>
-          <p:nvPr>
-            <p:ph type="pic" sz="quarter" idx="20"/>
-          </p:nvPr>
-        </p:nvPicPr>
-        <p:blipFill>
-          <a:blip r:embed="rId4">
-            <a:extLst>
-              <a:ext uri="{28A0092B-C50C-407E-A947-70E740481C1C}">
-                <a14:useLocalDpi xmlns:a14="http://schemas.microsoft.com/office/drawing/2010/main" val="0"/>
-              </a:ext>
-            </a:extLst>
-          </a:blip>
-          <a:srcRect l="87" r="87"/>
-          <a:stretch>
-            <a:fillRect/>
-          </a:stretch>
-        </p:blipFill>
-        <p:spPr/>
-      </p:pic>
-      <p:pic>
-        <p:nvPicPr>
-          <p:cNvPr id="38" name="Picture Placeholder 37" descr="Portrait of a team member&#10;&#10;">
-            <a:extLst>
-              <a:ext uri="{FF2B5EF4-FFF2-40B4-BE49-F238E27FC236}">
-                <a16:creationId xmlns:a16="http://schemas.microsoft.com/office/drawing/2014/main" id="{8C59E9EF-53DD-8D4A-9195-140F92AD8C6C}"/>
-              </a:ext>
-            </a:extLst>
-          </p:cNvPr>
-          <p:cNvPicPr>
-            <a:picLocks noGrp="1" noChangeAspect="1"/>
-          </p:cNvPicPr>
-          <p:nvPr>
-            <p:ph type="pic" sz="quarter" idx="21"/>
-          </p:nvPr>
-        </p:nvPicPr>
-        <p:blipFill>
-          <a:blip r:embed="rId5">
-            <a:grayscl/>
-            <a:extLst>
-              <a:ext uri="{28A0092B-C50C-407E-A947-70E740481C1C}">
-                <a14:useLocalDpi xmlns:a14="http://schemas.microsoft.com/office/drawing/2010/main" val="0"/>
-              </a:ext>
-            </a:extLst>
-          </a:blip>
-          <a:srcRect l="28" r="28"/>
-          <a:stretch>
-            <a:fillRect/>
-          </a:stretch>
-        </p:blipFill>
-        <p:spPr/>
-      </p:pic>
-      <p:sp>
-        <p:nvSpPr>
-          <p:cNvPr id="42" name="Title 41">
-            <a:extLst>
-              <a:ext uri="{FF2B5EF4-FFF2-40B4-BE49-F238E27FC236}">
-                <a16:creationId xmlns:a16="http://schemas.microsoft.com/office/drawing/2014/main" id="{0A330894-D0C4-D546-8FD0-57BDEB2A0285}"/>
+          <p:cNvPr id="3" name="Title 2">
+            <a:extLst>
+              <a:ext uri="{FF2B5EF4-FFF2-40B4-BE49-F238E27FC236}">
+                <a16:creationId xmlns:a16="http://schemas.microsoft.com/office/drawing/2014/main" id="{65E6490C-4FFC-8E79-24FF-B1232AC84501}"/>
               </a:ext>
             </a:extLst>
           </p:cNvPr>
@@ -16454,15 +13777,21 @@
             <p:ph type="title"/>
           </p:nvPr>
         </p:nvSpPr>
-        <p:spPr/>
-        <p:txBody>
-          <a:bodyPr/>
-          <a:lstStyle/>
-          <a:p>
-            <a:r>
-              <a:rPr lang="en-US" dirty="0"/>
-              <a:t>Our team</a:t>
-            </a:r>
+        <p:spPr>
+          <a:xfrm>
+            <a:off x="1001261" y="802516"/>
+            <a:ext cx="7810500" cy="645284"/>
+          </a:xfrm>
+        </p:spPr>
+        <p:txBody>
+          <a:bodyPr/>
+          <a:lstStyle/>
+          <a:p>
+            <a:r>
+              <a:rPr lang="en-US"/>
+              <a:t>Growth by sector chart</a:t>
+            </a:r>
+            <a:endParaRPr lang="en-US" dirty="0"/>
           </a:p>
         </p:txBody>
       </p:sp>
@@ -16471,15 +13800,15 @@
           <p:cNvPr id="2" name="Date Placeholder 1">
             <a:extLst>
               <a:ext uri="{FF2B5EF4-FFF2-40B4-BE49-F238E27FC236}">
-                <a16:creationId xmlns:a16="http://schemas.microsoft.com/office/drawing/2014/main" id="{677DA105-072F-49AA-B6E5-F2D3975D489E}"/>
-              </a:ext>
-            </a:extLst>
-          </p:cNvPr>
-          <p:cNvSpPr>
-            <a:spLocks noGrp="1"/>
-          </p:cNvSpPr>
-          <p:nvPr>
-            <p:ph type="dt" sz="half" idx="22"/>
+                <a16:creationId xmlns:a16="http://schemas.microsoft.com/office/drawing/2014/main" id="{F001F53E-91C4-ED9B-1B41-5E53AD9137CF}"/>
+              </a:ext>
+            </a:extLst>
+          </p:cNvPr>
+          <p:cNvSpPr>
+            <a:spLocks noGrp="1"/>
+          </p:cNvSpPr>
+          <p:nvPr>
+            <p:ph type="dt" sz="half" idx="12"/>
           </p:nvPr>
         </p:nvSpPr>
         <p:spPr/>
@@ -16497,18 +13826,18 @@
       </p:sp>
       <p:sp>
         <p:nvSpPr>
-          <p:cNvPr id="3" name="Footer Placeholder 2">
-            <a:extLst>
-              <a:ext uri="{FF2B5EF4-FFF2-40B4-BE49-F238E27FC236}">
-                <a16:creationId xmlns:a16="http://schemas.microsoft.com/office/drawing/2014/main" id="{994758E9-C1B5-4D69-B912-35A2A1CB68FA}"/>
-              </a:ext>
-            </a:extLst>
-          </p:cNvPr>
-          <p:cNvSpPr>
-            <a:spLocks noGrp="1"/>
-          </p:cNvSpPr>
-          <p:nvPr>
-            <p:ph type="ftr" sz="quarter" idx="23"/>
+          <p:cNvPr id="5" name="Footer Placeholder 4">
+            <a:extLst>
+              <a:ext uri="{FF2B5EF4-FFF2-40B4-BE49-F238E27FC236}">
+                <a16:creationId xmlns:a16="http://schemas.microsoft.com/office/drawing/2014/main" id="{7596EE4C-B33E-3E74-AAF3-59854E135C08}"/>
+              </a:ext>
+            </a:extLst>
+          </p:cNvPr>
+          <p:cNvSpPr>
+            <a:spLocks noGrp="1"/>
+          </p:cNvSpPr>
+          <p:nvPr>
+            <p:ph type="ftr" sz="quarter" idx="13"/>
           </p:nvPr>
         </p:nvSpPr>
         <p:spPr/>
@@ -16534,18 +13863,18 @@
       </p:sp>
       <p:sp>
         <p:nvSpPr>
-          <p:cNvPr id="4" name="Slide Number Placeholder 3">
-            <a:extLst>
-              <a:ext uri="{FF2B5EF4-FFF2-40B4-BE49-F238E27FC236}">
-                <a16:creationId xmlns:a16="http://schemas.microsoft.com/office/drawing/2014/main" id="{71D6E789-A9CA-435C-99DB-6EAF638305E4}"/>
-              </a:ext>
-            </a:extLst>
-          </p:cNvPr>
-          <p:cNvSpPr>
-            <a:spLocks noGrp="1"/>
-          </p:cNvSpPr>
-          <p:nvPr>
-            <p:ph type="sldNum" sz="quarter" idx="24"/>
+          <p:cNvPr id="6" name="Slide Number Placeholder 5">
+            <a:extLst>
+              <a:ext uri="{FF2B5EF4-FFF2-40B4-BE49-F238E27FC236}">
+                <a16:creationId xmlns:a16="http://schemas.microsoft.com/office/drawing/2014/main" id="{9076FC20-5127-594E-795A-023D94CB5D94}"/>
+              </a:ext>
+            </a:extLst>
+          </p:cNvPr>
+          <p:cNvSpPr>
+            <a:spLocks noGrp="1"/>
+          </p:cNvSpPr>
+          <p:nvPr>
+            <p:ph type="sldNum" sz="quarter" idx="14"/>
           </p:nvPr>
         </p:nvSpPr>
         <p:spPr/>
@@ -16562,45 +13891,10 @@
           </a:p>
         </p:txBody>
       </p:sp>
-      <p:sp>
-        <p:nvSpPr>
-          <p:cNvPr id="19" name="TextBox 18">
-            <a:extLst>
-              <a:ext uri="{FF2B5EF4-FFF2-40B4-BE49-F238E27FC236}">
-                <a16:creationId xmlns:a16="http://schemas.microsoft.com/office/drawing/2014/main" id="{AE484A84-E9FD-4392-8F05-987D67B730BE}"/>
-              </a:ext>
-            </a:extLst>
-          </p:cNvPr>
-          <p:cNvSpPr txBox="1"/>
-          <p:nvPr/>
-        </p:nvSpPr>
-        <p:spPr>
-          <a:xfrm>
-            <a:off x="3049621" y="3249198"/>
-            <a:ext cx="6099242" cy="369332"/>
-          </a:xfrm>
-          <a:prstGeom prst="rect">
-            <a:avLst/>
-          </a:prstGeom>
-          <a:noFill/>
-        </p:spPr>
-        <p:txBody>
-          <a:bodyPr wrap="square">
-            <a:spAutoFit/>
-          </a:bodyPr>
-          <a:lstStyle/>
-          <a:p>
-            <a:r>
-              <a:rPr lang="en-US" dirty="0"/>
-              <a:t>Portrait of a team member</a:t>
-            </a:r>
-          </a:p>
-        </p:txBody>
-      </p:sp>
     </p:spTree>
     <p:extLst>
       <p:ext uri="{BB962C8B-B14F-4D97-AF65-F5344CB8AC3E}">
-        <p14:creationId xmlns:p14="http://schemas.microsoft.com/office/powerpoint/2010/main" val="3285891305"/>
+        <p14:creationId xmlns:p14="http://schemas.microsoft.com/office/powerpoint/2010/main" val="3783411953"/>
       </p:ext>
     </p:extLst>
   </p:cSld>
@@ -16629,10 +13923,360 @@
       </p:grpSpPr>
       <p:sp>
         <p:nvSpPr>
-          <p:cNvPr id="2" name="Title 1">
-            <a:extLst>
-              <a:ext uri="{FF2B5EF4-FFF2-40B4-BE49-F238E27FC236}">
-                <a16:creationId xmlns:a16="http://schemas.microsoft.com/office/drawing/2014/main" id="{B2A49BF9-BE3A-8444-BD4C-97AF8ABBD74E}"/>
+          <p:cNvPr id="14" name="Text Placeholder 13">
+            <a:extLst>
+              <a:ext uri="{FF2B5EF4-FFF2-40B4-BE49-F238E27FC236}">
+                <a16:creationId xmlns:a16="http://schemas.microsoft.com/office/drawing/2014/main" id="{F3C7C96A-221C-AE40-93BD-DEE8EB1C21D2}"/>
+              </a:ext>
+            </a:extLst>
+          </p:cNvPr>
+          <p:cNvSpPr>
+            <a:spLocks noGrp="1"/>
+          </p:cNvSpPr>
+          <p:nvPr>
+            <p:ph type="body" sz="quarter" idx="10"/>
+          </p:nvPr>
+        </p:nvSpPr>
+        <p:spPr/>
+        <p:txBody>
+          <a:bodyPr/>
+          <a:lstStyle/>
+          <a:p>
+            <a:r>
+              <a:rPr lang="en-US" dirty="0"/>
+              <a:t>Ana</a:t>
+            </a:r>
+          </a:p>
+        </p:txBody>
+      </p:sp>
+      <p:sp>
+        <p:nvSpPr>
+          <p:cNvPr id="16" name="Text Placeholder 15">
+            <a:extLst>
+              <a:ext uri="{FF2B5EF4-FFF2-40B4-BE49-F238E27FC236}">
+                <a16:creationId xmlns:a16="http://schemas.microsoft.com/office/drawing/2014/main" id="{5FE4141C-4F28-4746-A886-2B483F55A71B}"/>
+              </a:ext>
+            </a:extLst>
+          </p:cNvPr>
+          <p:cNvSpPr>
+            <a:spLocks noGrp="1"/>
+          </p:cNvSpPr>
+          <p:nvPr>
+            <p:ph type="body" sz="quarter" idx="11"/>
+          </p:nvPr>
+        </p:nvSpPr>
+        <p:spPr/>
+        <p:txBody>
+          <a:bodyPr/>
+          <a:lstStyle/>
+          <a:p>
+            <a:r>
+              <a:rPr lang="en-US" dirty="0"/>
+              <a:t>CEO</a:t>
+            </a:r>
+          </a:p>
+        </p:txBody>
+      </p:sp>
+      <p:sp>
+        <p:nvSpPr>
+          <p:cNvPr id="5" name="Text Placeholder 4">
+            <a:extLst>
+              <a:ext uri="{FF2B5EF4-FFF2-40B4-BE49-F238E27FC236}">
+                <a16:creationId xmlns:a16="http://schemas.microsoft.com/office/drawing/2014/main" id="{F33C0129-A6FD-0B47-9C25-74B63336F76E}"/>
+              </a:ext>
+            </a:extLst>
+          </p:cNvPr>
+          <p:cNvSpPr>
+            <a:spLocks noGrp="1"/>
+          </p:cNvSpPr>
+          <p:nvPr>
+            <p:ph type="body" sz="quarter" idx="12"/>
+          </p:nvPr>
+        </p:nvSpPr>
+        <p:spPr/>
+        <p:txBody>
+          <a:bodyPr/>
+          <a:lstStyle/>
+          <a:p>
+            <a:r>
+              <a:rPr lang="en-US" dirty="0"/>
+              <a:t>Larissa</a:t>
+            </a:r>
+          </a:p>
+        </p:txBody>
+      </p:sp>
+      <p:sp>
+        <p:nvSpPr>
+          <p:cNvPr id="6" name="Text Placeholder 5">
+            <a:extLst>
+              <a:ext uri="{FF2B5EF4-FFF2-40B4-BE49-F238E27FC236}">
+                <a16:creationId xmlns:a16="http://schemas.microsoft.com/office/drawing/2014/main" id="{519DFF59-D000-6C48-B03D-6D023F1632A8}"/>
+              </a:ext>
+            </a:extLst>
+          </p:cNvPr>
+          <p:cNvSpPr>
+            <a:spLocks noGrp="1"/>
+          </p:cNvSpPr>
+          <p:nvPr>
+            <p:ph type="body" sz="quarter" idx="13"/>
+          </p:nvPr>
+        </p:nvSpPr>
+        <p:spPr/>
+        <p:txBody>
+          <a:bodyPr/>
+          <a:lstStyle/>
+          <a:p>
+            <a:r>
+              <a:rPr lang="en-US" dirty="0"/>
+              <a:t>CFO</a:t>
+            </a:r>
+          </a:p>
+        </p:txBody>
+      </p:sp>
+      <p:sp>
+        <p:nvSpPr>
+          <p:cNvPr id="7" name="Text Placeholder 6">
+            <a:extLst>
+              <a:ext uri="{FF2B5EF4-FFF2-40B4-BE49-F238E27FC236}">
+                <a16:creationId xmlns:a16="http://schemas.microsoft.com/office/drawing/2014/main" id="{2BF7C473-B533-F247-A897-1EBD503D856A}"/>
+              </a:ext>
+            </a:extLst>
+          </p:cNvPr>
+          <p:cNvSpPr>
+            <a:spLocks noGrp="1"/>
+          </p:cNvSpPr>
+          <p:nvPr>
+            <p:ph type="body" sz="quarter" idx="14"/>
+          </p:nvPr>
+        </p:nvSpPr>
+        <p:spPr/>
+        <p:txBody>
+          <a:bodyPr/>
+          <a:lstStyle/>
+          <a:p>
+            <a:r>
+              <a:rPr lang="en-US" dirty="0"/>
+              <a:t>Roman</a:t>
+            </a:r>
+          </a:p>
+        </p:txBody>
+      </p:sp>
+      <p:sp>
+        <p:nvSpPr>
+          <p:cNvPr id="8" name="Text Placeholder 7">
+            <a:extLst>
+              <a:ext uri="{FF2B5EF4-FFF2-40B4-BE49-F238E27FC236}">
+                <a16:creationId xmlns:a16="http://schemas.microsoft.com/office/drawing/2014/main" id="{3B548B63-DB02-4046-9639-FE28DE30CBB4}"/>
+              </a:ext>
+            </a:extLst>
+          </p:cNvPr>
+          <p:cNvSpPr>
+            <a:spLocks noGrp="1"/>
+          </p:cNvSpPr>
+          <p:nvPr>
+            <p:ph type="body" sz="quarter" idx="15"/>
+          </p:nvPr>
+        </p:nvSpPr>
+        <p:spPr/>
+        <p:txBody>
+          <a:bodyPr/>
+          <a:lstStyle/>
+          <a:p>
+            <a:r>
+              <a:rPr lang="en-US" dirty="0"/>
+              <a:t>CTO</a:t>
+            </a:r>
+          </a:p>
+        </p:txBody>
+      </p:sp>
+      <p:sp>
+        <p:nvSpPr>
+          <p:cNvPr id="9" name="Text Placeholder 8">
+            <a:extLst>
+              <a:ext uri="{FF2B5EF4-FFF2-40B4-BE49-F238E27FC236}">
+                <a16:creationId xmlns:a16="http://schemas.microsoft.com/office/drawing/2014/main" id="{67B8AFFA-EDA9-784D-A704-94BB4AFB5E5D}"/>
+              </a:ext>
+            </a:extLst>
+          </p:cNvPr>
+          <p:cNvSpPr>
+            <a:spLocks noGrp="1"/>
+          </p:cNvSpPr>
+          <p:nvPr>
+            <p:ph type="body" sz="quarter" idx="16"/>
+          </p:nvPr>
+        </p:nvSpPr>
+        <p:spPr/>
+        <p:txBody>
+          <a:bodyPr/>
+          <a:lstStyle/>
+          <a:p>
+            <a:r>
+              <a:rPr lang="en-US" dirty="0"/>
+              <a:t>Federico</a:t>
+            </a:r>
+          </a:p>
+        </p:txBody>
+      </p:sp>
+      <p:sp>
+        <p:nvSpPr>
+          <p:cNvPr id="10" name="Text Placeholder 9">
+            <a:extLst>
+              <a:ext uri="{FF2B5EF4-FFF2-40B4-BE49-F238E27FC236}">
+                <a16:creationId xmlns:a16="http://schemas.microsoft.com/office/drawing/2014/main" id="{D6F61109-690A-F74B-A4AF-784DE1816E54}"/>
+              </a:ext>
+            </a:extLst>
+          </p:cNvPr>
+          <p:cNvSpPr>
+            <a:spLocks noGrp="1"/>
+          </p:cNvSpPr>
+          <p:nvPr>
+            <p:ph type="body" sz="quarter" idx="17"/>
+          </p:nvPr>
+        </p:nvSpPr>
+        <p:spPr/>
+        <p:txBody>
+          <a:bodyPr/>
+          <a:lstStyle/>
+          <a:p>
+            <a:r>
+              <a:rPr lang="en-US" dirty="0"/>
+              <a:t>COO</a:t>
+            </a:r>
+          </a:p>
+        </p:txBody>
+      </p:sp>
+      <p:pic>
+        <p:nvPicPr>
+          <p:cNvPr id="57" name="Picture Placeholder 56" descr="Portrait of a team member&#10;">
+            <a:extLst>
+              <a:ext uri="{FF2B5EF4-FFF2-40B4-BE49-F238E27FC236}">
+                <a16:creationId xmlns:a16="http://schemas.microsoft.com/office/drawing/2014/main" id="{F23F0BAD-B476-4660-9685-F7750B881614}"/>
+              </a:ext>
+            </a:extLst>
+          </p:cNvPr>
+          <p:cNvPicPr>
+            <a:picLocks noGrp="1" noChangeAspect="1"/>
+          </p:cNvPicPr>
+          <p:nvPr>
+            <p:ph type="pic" sz="quarter" idx="18"/>
+          </p:nvPr>
+        </p:nvPicPr>
+        <p:blipFill>
+          <a:blip r:embed="rId2">
+            <a:extLst>
+              <a:ext uri="{28A0092B-C50C-407E-A947-70E740481C1C}">
+                <a14:useLocalDpi xmlns:a14="http://schemas.microsoft.com/office/drawing/2010/main" val="0"/>
+              </a:ext>
+            </a:extLst>
+          </a:blip>
+          <a:srcRect l="87" r="87"/>
+          <a:stretch>
+            <a:fillRect/>
+          </a:stretch>
+        </p:blipFill>
+        <p:spPr/>
+      </p:pic>
+      <p:pic>
+        <p:nvPicPr>
+          <p:cNvPr id="22" name="Picture Placeholder 21" descr="Portrait of a team member&#10;">
+            <a:extLst>
+              <a:ext uri="{FF2B5EF4-FFF2-40B4-BE49-F238E27FC236}">
+                <a16:creationId xmlns:a16="http://schemas.microsoft.com/office/drawing/2014/main" id="{AB73BE7C-B722-5845-8136-4CB57B98DCDD}"/>
+              </a:ext>
+            </a:extLst>
+          </p:cNvPr>
+          <p:cNvPicPr>
+            <a:picLocks noGrp="1" noChangeAspect="1"/>
+          </p:cNvPicPr>
+          <p:nvPr>
+            <p:ph type="pic" sz="quarter" idx="19"/>
+          </p:nvPr>
+        </p:nvPicPr>
+        <p:blipFill>
+          <a:blip r:embed="rId3">
+            <a:grayscl/>
+            <a:extLst>
+              <a:ext uri="{28A0092B-C50C-407E-A947-70E740481C1C}">
+                <a14:useLocalDpi xmlns:a14="http://schemas.microsoft.com/office/drawing/2010/main" val="0"/>
+              </a:ext>
+            </a:extLst>
+          </a:blip>
+          <a:srcRect l="28" r="28"/>
+          <a:stretch>
+            <a:fillRect/>
+          </a:stretch>
+        </p:blipFill>
+        <p:spPr/>
+      </p:pic>
+      <p:pic>
+        <p:nvPicPr>
+          <p:cNvPr id="61" name="Picture Placeholder 60" descr="Portrait of a team member&#10;">
+            <a:extLst>
+              <a:ext uri="{FF2B5EF4-FFF2-40B4-BE49-F238E27FC236}">
+                <a16:creationId xmlns:a16="http://schemas.microsoft.com/office/drawing/2014/main" id="{6226F6DE-906E-4EBB-9268-D156A7441E46}"/>
+              </a:ext>
+            </a:extLst>
+          </p:cNvPr>
+          <p:cNvPicPr>
+            <a:picLocks noGrp="1" noChangeAspect="1"/>
+          </p:cNvPicPr>
+          <p:nvPr>
+            <p:ph type="pic" sz="quarter" idx="20"/>
+          </p:nvPr>
+        </p:nvPicPr>
+        <p:blipFill>
+          <a:blip r:embed="rId4">
+            <a:extLst>
+              <a:ext uri="{28A0092B-C50C-407E-A947-70E740481C1C}">
+                <a14:useLocalDpi xmlns:a14="http://schemas.microsoft.com/office/drawing/2010/main" val="0"/>
+              </a:ext>
+            </a:extLst>
+          </a:blip>
+          <a:srcRect l="87" r="87"/>
+          <a:stretch>
+            <a:fillRect/>
+          </a:stretch>
+        </p:blipFill>
+        <p:spPr/>
+      </p:pic>
+      <p:pic>
+        <p:nvPicPr>
+          <p:cNvPr id="38" name="Picture Placeholder 37" descr="Portrait of a team member&#10;&#10;">
+            <a:extLst>
+              <a:ext uri="{FF2B5EF4-FFF2-40B4-BE49-F238E27FC236}">
+                <a16:creationId xmlns:a16="http://schemas.microsoft.com/office/drawing/2014/main" id="{8C59E9EF-53DD-8D4A-9195-140F92AD8C6C}"/>
+              </a:ext>
+            </a:extLst>
+          </p:cNvPr>
+          <p:cNvPicPr>
+            <a:picLocks noGrp="1" noChangeAspect="1"/>
+          </p:cNvPicPr>
+          <p:nvPr>
+            <p:ph type="pic" sz="quarter" idx="21"/>
+          </p:nvPr>
+        </p:nvPicPr>
+        <p:blipFill>
+          <a:blip r:embed="rId5">
+            <a:grayscl/>
+            <a:extLst>
+              <a:ext uri="{28A0092B-C50C-407E-A947-70E740481C1C}">
+                <a14:useLocalDpi xmlns:a14="http://schemas.microsoft.com/office/drawing/2010/main" val="0"/>
+              </a:ext>
+            </a:extLst>
+          </a:blip>
+          <a:srcRect l="28" r="28"/>
+          <a:stretch>
+            <a:fillRect/>
+          </a:stretch>
+        </p:blipFill>
+        <p:spPr/>
+      </p:pic>
+      <p:sp>
+        <p:nvSpPr>
+          <p:cNvPr id="42" name="Title 41">
+            <a:extLst>
+              <a:ext uri="{FF2B5EF4-FFF2-40B4-BE49-F238E27FC236}">
+                <a16:creationId xmlns:a16="http://schemas.microsoft.com/office/drawing/2014/main" id="{0A330894-D0C4-D546-8FD0-57BDEB2A0285}"/>
               </a:ext>
             </a:extLst>
           </p:cNvPr>
@@ -16650,208 +14294,54 @@
           <a:p>
             <a:r>
               <a:rPr lang="en-US" dirty="0"/>
-              <a:t>Summary</a:t>
-            </a:r>
-          </a:p>
-        </p:txBody>
-      </p:sp>
-      <p:sp>
-        <p:nvSpPr>
-          <p:cNvPr id="3" name="Text Placeholder 2">
-            <a:extLst>
-              <a:ext uri="{FF2B5EF4-FFF2-40B4-BE49-F238E27FC236}">
-                <a16:creationId xmlns:a16="http://schemas.microsoft.com/office/drawing/2014/main" id="{8117664B-4754-7F4E-ADCF-6AF266499213}"/>
-              </a:ext>
-            </a:extLst>
-          </p:cNvPr>
-          <p:cNvSpPr>
-            <a:spLocks noGrp="1"/>
-          </p:cNvSpPr>
-          <p:nvPr>
-            <p:ph type="body" sz="quarter" idx="10"/>
-          </p:nvPr>
-        </p:nvSpPr>
-        <p:spPr/>
-        <p:txBody>
-          <a:bodyPr/>
-          <a:lstStyle/>
-          <a:p>
-            <a:pPr marL="0" indent="0">
-              <a:lnSpc>
-                <a:spcPct val="100000"/>
-              </a:lnSpc>
-            </a:pPr>
-            <a:r>
-              <a:rPr lang="en-US" b="1" dirty="0"/>
-              <a:t>Our business is good</a:t>
-            </a:r>
-          </a:p>
-          <a:p>
-            <a:pPr marL="0" indent="0">
-              <a:lnSpc>
-                <a:spcPct val="100000"/>
-              </a:lnSpc>
-            </a:pPr>
-            <a:r>
-              <a:rPr lang="en-US" dirty="0"/>
-              <a:t>Profits are up in the last quarter by 3%</a:t>
-            </a:r>
-          </a:p>
-          <a:p>
-            <a:pPr marL="0" indent="0">
-              <a:lnSpc>
-                <a:spcPct val="100000"/>
-              </a:lnSpc>
-            </a:pPr>
+              <a:t>Our team</a:t>
+            </a:r>
+          </a:p>
+        </p:txBody>
+      </p:sp>
+      <p:sp>
+        <p:nvSpPr>
+          <p:cNvPr id="2" name="Date Placeholder 1">
+            <a:extLst>
+              <a:ext uri="{FF2B5EF4-FFF2-40B4-BE49-F238E27FC236}">
+                <a16:creationId xmlns:a16="http://schemas.microsoft.com/office/drawing/2014/main" id="{677DA105-072F-49AA-B6E5-F2D3975D489E}"/>
+              </a:ext>
+            </a:extLst>
+          </p:cNvPr>
+          <p:cNvSpPr>
+            <a:spLocks noGrp="1"/>
+          </p:cNvSpPr>
+          <p:nvPr>
+            <p:ph type="dt" sz="half" idx="22"/>
+          </p:nvPr>
+        </p:nvSpPr>
+        <p:spPr/>
+        <p:txBody>
+          <a:bodyPr/>
+          <a:lstStyle/>
+          <a:p>
+            <a:r>
+              <a:rPr lang="en-US"/>
+              <a:t>September 3, 20XX </a:t>
+            </a:r>
             <a:endParaRPr lang="en-US" dirty="0"/>
           </a:p>
-          <a:p>
-            <a:pPr marL="0" indent="0">
-              <a:lnSpc>
-                <a:spcPct val="100000"/>
-              </a:lnSpc>
-            </a:pPr>
-            <a:r>
-              <a:rPr lang="en-US" b="1" dirty="0"/>
-              <a:t>We’re delivering for our customers</a:t>
-            </a:r>
-          </a:p>
-          <a:p>
-            <a:pPr marL="0" indent="0">
-              <a:lnSpc>
-                <a:spcPct val="100000"/>
-              </a:lnSpc>
-            </a:pPr>
-            <a:r>
-              <a:rPr lang="en-US" dirty="0"/>
-              <a:t>Last year we supported thousands of customers and sold 60,000 units</a:t>
-            </a:r>
-          </a:p>
-          <a:p>
-            <a:pPr marL="0" indent="0">
-              <a:lnSpc>
-                <a:spcPct val="100000"/>
-              </a:lnSpc>
-            </a:pPr>
-            <a:endParaRPr lang="en-US" dirty="0"/>
-          </a:p>
-          <a:p>
-            <a:pPr marL="0" indent="0">
-              <a:lnSpc>
-                <a:spcPct val="100000"/>
-              </a:lnSpc>
-            </a:pPr>
-            <a:r>
-              <a:rPr lang="en-US" b="1" dirty="0"/>
-              <a:t>We’re getting our work done</a:t>
-            </a:r>
-          </a:p>
-          <a:p>
-            <a:pPr marL="0" indent="0">
-              <a:lnSpc>
-                <a:spcPct val="100000"/>
-              </a:lnSpc>
-            </a:pPr>
-            <a:r>
-              <a:rPr lang="en-US" dirty="0"/>
-              <a:t>We finished the consolidation project</a:t>
-            </a:r>
-          </a:p>
-        </p:txBody>
-      </p:sp>
-      <p:sp>
-        <p:nvSpPr>
-          <p:cNvPr id="4" name="Text Placeholder 3">
-            <a:extLst>
-              <a:ext uri="{FF2B5EF4-FFF2-40B4-BE49-F238E27FC236}">
-                <a16:creationId xmlns:a16="http://schemas.microsoft.com/office/drawing/2014/main" id="{8B92D30E-08D1-F34C-AC54-52AB7886031F}"/>
-              </a:ext>
-            </a:extLst>
-          </p:cNvPr>
-          <p:cNvSpPr>
-            <a:spLocks noGrp="1"/>
-          </p:cNvSpPr>
-          <p:nvPr>
-            <p:ph type="body" sz="quarter" idx="11"/>
-          </p:nvPr>
-        </p:nvSpPr>
-        <p:spPr/>
-        <p:txBody>
-          <a:bodyPr/>
-          <a:lstStyle/>
-          <a:p>
-            <a:r>
-              <a:rPr lang="en-US" b="1" dirty="0"/>
-              <a:t>Our customers keep coming back</a:t>
-            </a:r>
-          </a:p>
-          <a:p>
-            <a:r>
-              <a:rPr lang="en-US" dirty="0"/>
-              <a:t>We increased customer retention by 4%</a:t>
-            </a:r>
-          </a:p>
-          <a:p>
-            <a:endParaRPr lang="en-US" dirty="0"/>
-          </a:p>
-          <a:p>
-            <a:r>
-              <a:rPr lang="en-US" b="1" dirty="0"/>
-              <a:t>We’re leaders</a:t>
-            </a:r>
-          </a:p>
-          <a:p>
-            <a:pPr marL="0" indent="0"/>
-            <a:r>
-              <a:rPr lang="en-US" dirty="0"/>
-              <a:t>We are top leaders in the industry across the board</a:t>
-            </a:r>
-          </a:p>
-        </p:txBody>
-      </p:sp>
-      <p:sp>
-        <p:nvSpPr>
-          <p:cNvPr id="5" name="Date Placeholder 4">
-            <a:extLst>
-              <a:ext uri="{FF2B5EF4-FFF2-40B4-BE49-F238E27FC236}">
-                <a16:creationId xmlns:a16="http://schemas.microsoft.com/office/drawing/2014/main" id="{99C74868-91C9-40B6-8069-D320F26E51F5}"/>
-              </a:ext>
-            </a:extLst>
-          </p:cNvPr>
-          <p:cNvSpPr>
-            <a:spLocks noGrp="1"/>
-          </p:cNvSpPr>
-          <p:nvPr>
-            <p:ph type="dt" sz="half" idx="12"/>
-          </p:nvPr>
-        </p:nvSpPr>
-        <p:spPr/>
-        <p:txBody>
-          <a:bodyPr/>
-          <a:lstStyle/>
-          <a:p>
-            <a:r>
-              <a:rPr lang="en-US"/>
-              <a:t>September 3, 20XX </a:t>
-            </a:r>
-            <a:endParaRPr lang="en-US" dirty="0"/>
-          </a:p>
-        </p:txBody>
-      </p:sp>
-      <p:sp>
-        <p:nvSpPr>
-          <p:cNvPr id="6" name="Footer Placeholder 5">
-            <a:extLst>
-              <a:ext uri="{FF2B5EF4-FFF2-40B4-BE49-F238E27FC236}">
-                <a16:creationId xmlns:a16="http://schemas.microsoft.com/office/drawing/2014/main" id="{FB8B588C-90A8-4A3F-AE4F-BB5E476D20B9}"/>
-              </a:ext>
-            </a:extLst>
-          </p:cNvPr>
-          <p:cNvSpPr>
-            <a:spLocks noGrp="1"/>
-          </p:cNvSpPr>
-          <p:nvPr>
-            <p:ph type="ftr" sz="quarter" idx="13"/>
+        </p:txBody>
+      </p:sp>
+      <p:sp>
+        <p:nvSpPr>
+          <p:cNvPr id="3" name="Footer Placeholder 2">
+            <a:extLst>
+              <a:ext uri="{FF2B5EF4-FFF2-40B4-BE49-F238E27FC236}">
+                <a16:creationId xmlns:a16="http://schemas.microsoft.com/office/drawing/2014/main" id="{994758E9-C1B5-4D69-B912-35A2A1CB68FA}"/>
+              </a:ext>
+            </a:extLst>
+          </p:cNvPr>
+          <p:cNvSpPr>
+            <a:spLocks noGrp="1"/>
+          </p:cNvSpPr>
+          <p:nvPr>
+            <p:ph type="ftr" sz="quarter" idx="23"/>
           </p:nvPr>
         </p:nvSpPr>
         <p:spPr/>
@@ -16877,18 +14367,18 @@
       </p:sp>
       <p:sp>
         <p:nvSpPr>
-          <p:cNvPr id="7" name="Slide Number Placeholder 6">
-            <a:extLst>
-              <a:ext uri="{FF2B5EF4-FFF2-40B4-BE49-F238E27FC236}">
-                <a16:creationId xmlns:a16="http://schemas.microsoft.com/office/drawing/2014/main" id="{F3B054C5-D38D-4250-8FB9-1381546143D5}"/>
-              </a:ext>
-            </a:extLst>
-          </p:cNvPr>
-          <p:cNvSpPr>
-            <a:spLocks noGrp="1"/>
-          </p:cNvSpPr>
-          <p:nvPr>
-            <p:ph type="sldNum" sz="quarter" idx="14"/>
+          <p:cNvPr id="4" name="Slide Number Placeholder 3">
+            <a:extLst>
+              <a:ext uri="{FF2B5EF4-FFF2-40B4-BE49-F238E27FC236}">
+                <a16:creationId xmlns:a16="http://schemas.microsoft.com/office/drawing/2014/main" id="{71D6E789-A9CA-435C-99DB-6EAF638305E4}"/>
+              </a:ext>
+            </a:extLst>
+          </p:cNvPr>
+          <p:cNvSpPr>
+            <a:spLocks noGrp="1"/>
+          </p:cNvSpPr>
+          <p:nvPr>
+            <p:ph type="sldNum" sz="quarter" idx="24"/>
           </p:nvPr>
         </p:nvSpPr>
         <p:spPr/>
@@ -16905,10 +14395,45 @@
           </a:p>
         </p:txBody>
       </p:sp>
+      <p:sp>
+        <p:nvSpPr>
+          <p:cNvPr id="19" name="TextBox 18">
+            <a:extLst>
+              <a:ext uri="{FF2B5EF4-FFF2-40B4-BE49-F238E27FC236}">
+                <a16:creationId xmlns:a16="http://schemas.microsoft.com/office/drawing/2014/main" id="{AE484A84-E9FD-4392-8F05-987D67B730BE}"/>
+              </a:ext>
+            </a:extLst>
+          </p:cNvPr>
+          <p:cNvSpPr txBox="1"/>
+          <p:nvPr/>
+        </p:nvSpPr>
+        <p:spPr>
+          <a:xfrm>
+            <a:off x="3049621" y="3249198"/>
+            <a:ext cx="6099242" cy="369332"/>
+          </a:xfrm>
+          <a:prstGeom prst="rect">
+            <a:avLst/>
+          </a:prstGeom>
+          <a:noFill/>
+        </p:spPr>
+        <p:txBody>
+          <a:bodyPr wrap="square">
+            <a:spAutoFit/>
+          </a:bodyPr>
+          <a:lstStyle/>
+          <a:p>
+            <a:r>
+              <a:rPr lang="en-US" dirty="0"/>
+              <a:t>Portrait of a team member</a:t>
+            </a:r>
+          </a:p>
+        </p:txBody>
+      </p:sp>
     </p:spTree>
     <p:extLst>
       <p:ext uri="{BB962C8B-B14F-4D97-AF65-F5344CB8AC3E}">
-        <p14:creationId xmlns:p14="http://schemas.microsoft.com/office/powerpoint/2010/main" val="1696792912"/>
+        <p14:creationId xmlns:p14="http://schemas.microsoft.com/office/powerpoint/2010/main" val="3285891305"/>
       </p:ext>
     </p:extLst>
   </p:cSld>
